--- a/billingapp/backend/invoice.pptx
+++ b/billingapp/backend/invoice.pptx
@@ -1,8 +1,8 @@
 
 <file path=ppt/presentation.xml><?xml version="1.0" encoding="utf-8"?>
-<p:presentation xmlns:a="http://schemas.openxmlformats.org/drawingml/2006/main" xmlns:r="http://schemas.openxmlformats.org/officeDocument/2006/relationships" xmlns:p="http://schemas.openxmlformats.org/presentationml/2006/main" saveSubsetFonts="1">
+<p:presentation xmlns:a="http://schemas.openxmlformats.org/drawingml/2006/main" xmlns:r="http://schemas.openxmlformats.org/officeDocument/2006/relationships" xmlns:p="http://schemas.openxmlformats.org/presentationml/2006/main" saveSubsetFonts="1" autoCompressPictures="0">
   <p:sldMasterIdLst>
-    <p:sldMasterId id="2147483672" r:id="rId1"/>
+    <p:sldMasterId id="2147483684" r:id="rId1"/>
   </p:sldMasterIdLst>
   <p:notesMasterIdLst>
     <p:notesMasterId r:id="rId3"/>
@@ -10,7 +10,7 @@
   <p:sldIdLst>
     <p:sldId id="257" r:id="rId2"/>
   </p:sldIdLst>
-  <p:sldSz cx="6858000" cy="9906000" type="A4"/>
+  <p:sldSz cx="13716000" cy="19812000"/>
   <p:notesSz cx="7010400" cy="9296400"/>
   <p:defaultTextStyle>
     <a:defPPr>
@@ -209,7 +209,7 @@
           <a:p>
             <a:fld id="{46D70FEC-A197-4DC1-AB28-8AAAF7A28C43}" type="datetimeFigureOut">
               <a:rPr lang="en-IN" smtClean="0"/>
-              <a:t>10-10-2021</a:t>
+              <a:t>02-01-2022</a:t>
             </a:fld>
             <a:endParaRPr lang="en-IN"/>
           </a:p>
@@ -383,8 +383,8 @@
   </p:cSld>
   <p:clrMap bg1="lt1" tx1="dk1" bg2="lt2" tx2="dk2" accent1="accent1" accent2="accent2" accent3="accent3" accent4="accent4" accent5="accent5" accent6="accent6" hlink="hlink" folHlink="folHlink"/>
   <p:notesStyle>
-    <a:lvl1pPr marL="0" algn="l" defTabSz="914400" rtl="0" eaLnBrk="1" latinLnBrk="0" hangingPunct="1">
-      <a:defRPr sz="1200" kern="1200">
+    <a:lvl1pPr marL="0" algn="l" defTabSz="1828734" rtl="0" eaLnBrk="1" latinLnBrk="0" hangingPunct="1">
+      <a:defRPr sz="2400" kern="1200">
         <a:solidFill>
           <a:schemeClr val="tx1"/>
         </a:solidFill>
@@ -393,8 +393,8 @@
         <a:cs typeface="+mn-cs"/>
       </a:defRPr>
     </a:lvl1pPr>
-    <a:lvl2pPr marL="457200" algn="l" defTabSz="914400" rtl="0" eaLnBrk="1" latinLnBrk="0" hangingPunct="1">
-      <a:defRPr sz="1200" kern="1200">
+    <a:lvl2pPr marL="914364" algn="l" defTabSz="1828734" rtl="0" eaLnBrk="1" latinLnBrk="0" hangingPunct="1">
+      <a:defRPr sz="2400" kern="1200">
         <a:solidFill>
           <a:schemeClr val="tx1"/>
         </a:solidFill>
@@ -403,8 +403,8 @@
         <a:cs typeface="+mn-cs"/>
       </a:defRPr>
     </a:lvl2pPr>
-    <a:lvl3pPr marL="914400" algn="l" defTabSz="914400" rtl="0" eaLnBrk="1" latinLnBrk="0" hangingPunct="1">
-      <a:defRPr sz="1200" kern="1200">
+    <a:lvl3pPr marL="1828734" algn="l" defTabSz="1828734" rtl="0" eaLnBrk="1" latinLnBrk="0" hangingPunct="1">
+      <a:defRPr sz="2400" kern="1200">
         <a:solidFill>
           <a:schemeClr val="tx1"/>
         </a:solidFill>
@@ -413,8 +413,8 @@
         <a:cs typeface="+mn-cs"/>
       </a:defRPr>
     </a:lvl3pPr>
-    <a:lvl4pPr marL="1371600" algn="l" defTabSz="914400" rtl="0" eaLnBrk="1" latinLnBrk="0" hangingPunct="1">
-      <a:defRPr sz="1200" kern="1200">
+    <a:lvl4pPr marL="2743098" algn="l" defTabSz="1828734" rtl="0" eaLnBrk="1" latinLnBrk="0" hangingPunct="1">
+      <a:defRPr sz="2400" kern="1200">
         <a:solidFill>
           <a:schemeClr val="tx1"/>
         </a:solidFill>
@@ -423,8 +423,8 @@
         <a:cs typeface="+mn-cs"/>
       </a:defRPr>
     </a:lvl4pPr>
-    <a:lvl5pPr marL="1828800" algn="l" defTabSz="914400" rtl="0" eaLnBrk="1" latinLnBrk="0" hangingPunct="1">
-      <a:defRPr sz="1200" kern="1200">
+    <a:lvl5pPr marL="3657466" algn="l" defTabSz="1828734" rtl="0" eaLnBrk="1" latinLnBrk="0" hangingPunct="1">
+      <a:defRPr sz="2400" kern="1200">
         <a:solidFill>
           <a:schemeClr val="tx1"/>
         </a:solidFill>
@@ -433,8 +433,8 @@
         <a:cs typeface="+mn-cs"/>
       </a:defRPr>
     </a:lvl5pPr>
-    <a:lvl6pPr marL="2286000" algn="l" defTabSz="914400" rtl="0" eaLnBrk="1" latinLnBrk="0" hangingPunct="1">
-      <a:defRPr sz="1200" kern="1200">
+    <a:lvl6pPr marL="4571830" algn="l" defTabSz="1828734" rtl="0" eaLnBrk="1" latinLnBrk="0" hangingPunct="1">
+      <a:defRPr sz="2400" kern="1200">
         <a:solidFill>
           <a:schemeClr val="tx1"/>
         </a:solidFill>
@@ -443,8 +443,8 @@
         <a:cs typeface="+mn-cs"/>
       </a:defRPr>
     </a:lvl6pPr>
-    <a:lvl7pPr marL="2743200" algn="l" defTabSz="914400" rtl="0" eaLnBrk="1" latinLnBrk="0" hangingPunct="1">
-      <a:defRPr sz="1200" kern="1200">
+    <a:lvl7pPr marL="5486200" algn="l" defTabSz="1828734" rtl="0" eaLnBrk="1" latinLnBrk="0" hangingPunct="1">
+      <a:defRPr sz="2400" kern="1200">
         <a:solidFill>
           <a:schemeClr val="tx1"/>
         </a:solidFill>
@@ -453,8 +453,8 @@
         <a:cs typeface="+mn-cs"/>
       </a:defRPr>
     </a:lvl7pPr>
-    <a:lvl8pPr marL="3200400" algn="l" defTabSz="914400" rtl="0" eaLnBrk="1" latinLnBrk="0" hangingPunct="1">
-      <a:defRPr sz="1200" kern="1200">
+    <a:lvl8pPr marL="6400564" algn="l" defTabSz="1828734" rtl="0" eaLnBrk="1" latinLnBrk="0" hangingPunct="1">
+      <a:defRPr sz="2400" kern="1200">
         <a:solidFill>
           <a:schemeClr val="tx1"/>
         </a:solidFill>
@@ -463,8 +463,8 @@
         <a:cs typeface="+mn-cs"/>
       </a:defRPr>
     </a:lvl8pPr>
-    <a:lvl9pPr marL="3657600" algn="l" defTabSz="914400" rtl="0" eaLnBrk="1" latinLnBrk="0" hangingPunct="1">
-      <a:defRPr sz="1200" kern="1200">
+    <a:lvl9pPr marL="7314932" algn="l" defTabSz="1828734" rtl="0" eaLnBrk="1" latinLnBrk="0" hangingPunct="1">
+      <a:defRPr sz="2400" kern="1200">
         <a:solidFill>
           <a:schemeClr val="tx1"/>
         </a:solidFill>
@@ -506,15 +506,15 @@
         </p:nvSpPr>
         <p:spPr>
           <a:xfrm>
-            <a:off x="514350" y="1621191"/>
-            <a:ext cx="5829300" cy="3448756"/>
+            <a:off x="1028700" y="3242382"/>
+            <a:ext cx="11658600" cy="6897511"/>
           </a:xfrm>
         </p:spPr>
         <p:txBody>
           <a:bodyPr anchor="b"/>
           <a:lstStyle>
             <a:lvl1pPr algn="ctr">
-              <a:defRPr sz="4500"/>
+              <a:defRPr sz="9000"/>
             </a:lvl1pPr>
           </a:lstStyle>
           <a:p>
@@ -538,8 +538,8 @@
         </p:nvSpPr>
         <p:spPr>
           <a:xfrm>
-            <a:off x="857250" y="5202944"/>
-            <a:ext cx="5143500" cy="2391656"/>
+            <a:off x="1714500" y="10405888"/>
+            <a:ext cx="10287000" cy="4783312"/>
           </a:xfrm>
         </p:spPr>
         <p:txBody>
@@ -547,39 +547,39 @@
           <a:lstStyle>
             <a:lvl1pPr marL="0" indent="0" algn="ctr">
               <a:buNone/>
-              <a:defRPr sz="1800"/>
+              <a:defRPr sz="3600"/>
             </a:lvl1pPr>
-            <a:lvl2pPr marL="342900" indent="0" algn="ctr">
+            <a:lvl2pPr marL="685800" indent="0" algn="ctr">
               <a:buNone/>
-              <a:defRPr sz="1500"/>
+              <a:defRPr sz="3000"/>
             </a:lvl2pPr>
-            <a:lvl3pPr marL="685800" indent="0" algn="ctr">
+            <a:lvl3pPr marL="1371600" indent="0" algn="ctr">
               <a:buNone/>
-              <a:defRPr sz="1350"/>
+              <a:defRPr sz="2700"/>
             </a:lvl3pPr>
-            <a:lvl4pPr marL="1028700" indent="0" algn="ctr">
+            <a:lvl4pPr marL="2057400" indent="0" algn="ctr">
               <a:buNone/>
-              <a:defRPr sz="1200"/>
+              <a:defRPr sz="2400"/>
             </a:lvl4pPr>
-            <a:lvl5pPr marL="1371600" indent="0" algn="ctr">
+            <a:lvl5pPr marL="2743200" indent="0" algn="ctr">
               <a:buNone/>
-              <a:defRPr sz="1200"/>
+              <a:defRPr sz="2400"/>
             </a:lvl5pPr>
-            <a:lvl6pPr marL="1714500" indent="0" algn="ctr">
+            <a:lvl6pPr marL="3429000" indent="0" algn="ctr">
               <a:buNone/>
-              <a:defRPr sz="1200"/>
+              <a:defRPr sz="2400"/>
             </a:lvl6pPr>
-            <a:lvl7pPr marL="2057400" indent="0" algn="ctr">
+            <a:lvl7pPr marL="4114800" indent="0" algn="ctr">
               <a:buNone/>
-              <a:defRPr sz="1200"/>
+              <a:defRPr sz="2400"/>
             </a:lvl7pPr>
-            <a:lvl8pPr marL="2400300" indent="0" algn="ctr">
+            <a:lvl8pPr marL="4800600" indent="0" algn="ctr">
               <a:buNone/>
-              <a:defRPr sz="1200"/>
+              <a:defRPr sz="2400"/>
             </a:lvl8pPr>
-            <a:lvl9pPr marL="2743200" indent="0" algn="ctr">
+            <a:lvl9pPr marL="5486400" indent="0" algn="ctr">
               <a:buNone/>
-              <a:defRPr sz="1200"/>
+              <a:defRPr sz="2400"/>
             </a:lvl9pPr>
           </a:lstStyle>
           <a:p>
@@ -608,7 +608,7 @@
           <a:p>
             <a:fld id="{E6909C40-BD28-4EED-B5BD-D584463F68C0}" type="datetimeFigureOut">
               <a:rPr lang="en-IN" smtClean="0"/>
-              <a:t>10-10-2021</a:t>
+              <a:t>02-01-2022</a:t>
             </a:fld>
             <a:endParaRPr lang="en-IN"/>
           </a:p>
@@ -659,7 +659,7 @@
     </p:spTree>
     <p:extLst>
       <p:ext uri="{BB962C8B-B14F-4D97-AF65-F5344CB8AC3E}">
-        <p14:creationId xmlns:p14="http://schemas.microsoft.com/office/powerpoint/2010/main" val="4273077232"/>
+        <p14:creationId xmlns:p14="http://schemas.microsoft.com/office/powerpoint/2010/main" val="3086326435"/>
       </p:ext>
     </p:extLst>
   </p:cSld>
@@ -778,7 +778,7 @@
           <a:p>
             <a:fld id="{E6909C40-BD28-4EED-B5BD-D584463F68C0}" type="datetimeFigureOut">
               <a:rPr lang="en-IN" smtClean="0"/>
-              <a:t>10-10-2021</a:t>
+              <a:t>02-01-2022</a:t>
             </a:fld>
             <a:endParaRPr lang="en-IN"/>
           </a:p>
@@ -829,7 +829,7 @@
     </p:spTree>
     <p:extLst>
       <p:ext uri="{BB962C8B-B14F-4D97-AF65-F5344CB8AC3E}">
-        <p14:creationId xmlns:p14="http://schemas.microsoft.com/office/powerpoint/2010/main" val="289075869"/>
+        <p14:creationId xmlns:p14="http://schemas.microsoft.com/office/powerpoint/2010/main" val="627541789"/>
       </p:ext>
     </p:extLst>
   </p:cSld>
@@ -868,8 +868,8 @@
         </p:nvSpPr>
         <p:spPr>
           <a:xfrm>
-            <a:off x="4907757" y="527403"/>
-            <a:ext cx="1478756" cy="8394877"/>
+            <a:off x="9815513" y="1054806"/>
+            <a:ext cx="2957513" cy="16789754"/>
           </a:xfrm>
         </p:spPr>
         <p:txBody>
@@ -896,8 +896,8 @@
         </p:nvSpPr>
         <p:spPr>
           <a:xfrm>
-            <a:off x="471488" y="527403"/>
-            <a:ext cx="4350544" cy="8394877"/>
+            <a:off x="942976" y="1054806"/>
+            <a:ext cx="8701088" cy="16789754"/>
           </a:xfrm>
         </p:spPr>
         <p:txBody>
@@ -958,7 +958,7 @@
           <a:p>
             <a:fld id="{E6909C40-BD28-4EED-B5BD-D584463F68C0}" type="datetimeFigureOut">
               <a:rPr lang="en-IN" smtClean="0"/>
-              <a:t>10-10-2021</a:t>
+              <a:t>02-01-2022</a:t>
             </a:fld>
             <a:endParaRPr lang="en-IN"/>
           </a:p>
@@ -1009,7 +1009,7 @@
     </p:spTree>
     <p:extLst>
       <p:ext uri="{BB962C8B-B14F-4D97-AF65-F5344CB8AC3E}">
-        <p14:creationId xmlns:p14="http://schemas.microsoft.com/office/powerpoint/2010/main" val="528343163"/>
+        <p14:creationId xmlns:p14="http://schemas.microsoft.com/office/powerpoint/2010/main" val="4283927656"/>
       </p:ext>
     </p:extLst>
   </p:cSld>
@@ -1128,7 +1128,7 @@
           <a:p>
             <a:fld id="{E6909C40-BD28-4EED-B5BD-D584463F68C0}" type="datetimeFigureOut">
               <a:rPr lang="en-IN" smtClean="0"/>
-              <a:t>10-10-2021</a:t>
+              <a:t>02-01-2022</a:t>
             </a:fld>
             <a:endParaRPr lang="en-IN"/>
           </a:p>
@@ -1179,7 +1179,7 @@
     </p:spTree>
     <p:extLst>
       <p:ext uri="{BB962C8B-B14F-4D97-AF65-F5344CB8AC3E}">
-        <p14:creationId xmlns:p14="http://schemas.microsoft.com/office/powerpoint/2010/main" val="2438467452"/>
+        <p14:creationId xmlns:p14="http://schemas.microsoft.com/office/powerpoint/2010/main" val="2368787459"/>
       </p:ext>
     </p:extLst>
   </p:cSld>
@@ -1218,15 +1218,15 @@
         </p:nvSpPr>
         <p:spPr>
           <a:xfrm>
-            <a:off x="467916" y="2469624"/>
-            <a:ext cx="5915025" cy="4120620"/>
+            <a:off x="935832" y="4939248"/>
+            <a:ext cx="11830050" cy="8241240"/>
           </a:xfrm>
         </p:spPr>
         <p:txBody>
           <a:bodyPr anchor="b"/>
           <a:lstStyle>
             <a:lvl1pPr>
-              <a:defRPr sz="4500"/>
+              <a:defRPr sz="9000"/>
             </a:lvl1pPr>
           </a:lstStyle>
           <a:p>
@@ -1250,8 +1250,8 @@
         </p:nvSpPr>
         <p:spPr>
           <a:xfrm>
-            <a:off x="467916" y="6629226"/>
-            <a:ext cx="5915025" cy="2166937"/>
+            <a:off x="935832" y="13258453"/>
+            <a:ext cx="11830050" cy="4333874"/>
           </a:xfrm>
         </p:spPr>
         <p:txBody>
@@ -1259,15 +1259,15 @@
           <a:lstStyle>
             <a:lvl1pPr marL="0" indent="0">
               <a:buNone/>
-              <a:defRPr sz="1800">
+              <a:defRPr sz="3600">
                 <a:solidFill>
                   <a:schemeClr val="tx1"/>
                 </a:solidFill>
               </a:defRPr>
             </a:lvl1pPr>
-            <a:lvl2pPr marL="342900" indent="0">
+            <a:lvl2pPr marL="685800" indent="0">
               <a:buNone/>
-              <a:defRPr sz="1500">
+              <a:defRPr sz="3000">
                 <a:solidFill>
                   <a:schemeClr val="tx1">
                     <a:tint val="75000"/>
@@ -1275,9 +1275,9 @@
                 </a:solidFill>
               </a:defRPr>
             </a:lvl2pPr>
-            <a:lvl3pPr marL="685800" indent="0">
+            <a:lvl3pPr marL="1371600" indent="0">
               <a:buNone/>
-              <a:defRPr sz="1350">
+              <a:defRPr sz="2700">
                 <a:solidFill>
                   <a:schemeClr val="tx1">
                     <a:tint val="75000"/>
@@ -1285,9 +1285,9 @@
                 </a:solidFill>
               </a:defRPr>
             </a:lvl3pPr>
-            <a:lvl4pPr marL="1028700" indent="0">
+            <a:lvl4pPr marL="2057400" indent="0">
               <a:buNone/>
-              <a:defRPr sz="1200">
+              <a:defRPr sz="2400">
                 <a:solidFill>
                   <a:schemeClr val="tx1">
                     <a:tint val="75000"/>
@@ -1295,9 +1295,9 @@
                 </a:solidFill>
               </a:defRPr>
             </a:lvl4pPr>
-            <a:lvl5pPr marL="1371600" indent="0">
+            <a:lvl5pPr marL="2743200" indent="0">
               <a:buNone/>
-              <a:defRPr sz="1200">
+              <a:defRPr sz="2400">
                 <a:solidFill>
                   <a:schemeClr val="tx1">
                     <a:tint val="75000"/>
@@ -1305,9 +1305,9 @@
                 </a:solidFill>
               </a:defRPr>
             </a:lvl5pPr>
-            <a:lvl6pPr marL="1714500" indent="0">
+            <a:lvl6pPr marL="3429000" indent="0">
               <a:buNone/>
-              <a:defRPr sz="1200">
+              <a:defRPr sz="2400">
                 <a:solidFill>
                   <a:schemeClr val="tx1">
                     <a:tint val="75000"/>
@@ -1315,9 +1315,9 @@
                 </a:solidFill>
               </a:defRPr>
             </a:lvl6pPr>
-            <a:lvl7pPr marL="2057400" indent="0">
+            <a:lvl7pPr marL="4114800" indent="0">
               <a:buNone/>
-              <a:defRPr sz="1200">
+              <a:defRPr sz="2400">
                 <a:solidFill>
                   <a:schemeClr val="tx1">
                     <a:tint val="75000"/>
@@ -1325,9 +1325,9 @@
                 </a:solidFill>
               </a:defRPr>
             </a:lvl7pPr>
-            <a:lvl8pPr marL="2400300" indent="0">
+            <a:lvl8pPr marL="4800600" indent="0">
               <a:buNone/>
-              <a:defRPr sz="1200">
+              <a:defRPr sz="2400">
                 <a:solidFill>
                   <a:schemeClr val="tx1">
                     <a:tint val="75000"/>
@@ -1335,9 +1335,9 @@
                 </a:solidFill>
               </a:defRPr>
             </a:lvl8pPr>
-            <a:lvl9pPr marL="2743200" indent="0">
+            <a:lvl9pPr marL="5486400" indent="0">
               <a:buNone/>
-              <a:defRPr sz="1200">
+              <a:defRPr sz="2400">
                 <a:solidFill>
                   <a:schemeClr val="tx1">
                     <a:tint val="75000"/>
@@ -1372,7 +1372,7 @@
           <a:p>
             <a:fld id="{E6909C40-BD28-4EED-B5BD-D584463F68C0}" type="datetimeFigureOut">
               <a:rPr lang="en-IN" smtClean="0"/>
-              <a:t>10-10-2021</a:t>
+              <a:t>02-01-2022</a:t>
             </a:fld>
             <a:endParaRPr lang="en-IN"/>
           </a:p>
@@ -1423,7 +1423,7 @@
     </p:spTree>
     <p:extLst>
       <p:ext uri="{BB962C8B-B14F-4D97-AF65-F5344CB8AC3E}">
-        <p14:creationId xmlns:p14="http://schemas.microsoft.com/office/powerpoint/2010/main" val="2027781099"/>
+        <p14:creationId xmlns:p14="http://schemas.microsoft.com/office/powerpoint/2010/main" val="1649130815"/>
       </p:ext>
     </p:extLst>
   </p:cSld>
@@ -1485,8 +1485,8 @@
         </p:nvSpPr>
         <p:spPr>
           <a:xfrm>
-            <a:off x="471488" y="2637014"/>
-            <a:ext cx="2914650" cy="6285266"/>
+            <a:off x="942975" y="5274028"/>
+            <a:ext cx="5829300" cy="12570532"/>
           </a:xfrm>
         </p:spPr>
         <p:txBody>
@@ -1542,8 +1542,8 @@
         </p:nvSpPr>
         <p:spPr>
           <a:xfrm>
-            <a:off x="3471863" y="2637014"/>
-            <a:ext cx="2914650" cy="6285266"/>
+            <a:off x="6943725" y="5274028"/>
+            <a:ext cx="5829300" cy="12570532"/>
           </a:xfrm>
         </p:spPr>
         <p:txBody>
@@ -1604,7 +1604,7 @@
           <a:p>
             <a:fld id="{E6909C40-BD28-4EED-B5BD-D584463F68C0}" type="datetimeFigureOut">
               <a:rPr lang="en-IN" smtClean="0"/>
-              <a:t>10-10-2021</a:t>
+              <a:t>02-01-2022</a:t>
             </a:fld>
             <a:endParaRPr lang="en-IN"/>
           </a:p>
@@ -1655,7 +1655,7 @@
     </p:spTree>
     <p:extLst>
       <p:ext uri="{BB962C8B-B14F-4D97-AF65-F5344CB8AC3E}">
-        <p14:creationId xmlns:p14="http://schemas.microsoft.com/office/powerpoint/2010/main" val="883997146"/>
+        <p14:creationId xmlns:p14="http://schemas.microsoft.com/office/powerpoint/2010/main" val="3359249722"/>
       </p:ext>
     </p:extLst>
   </p:cSld>
@@ -1694,8 +1694,8 @@
         </p:nvSpPr>
         <p:spPr>
           <a:xfrm>
-            <a:off x="472381" y="527405"/>
-            <a:ext cx="5915025" cy="1914702"/>
+            <a:off x="944762" y="1054810"/>
+            <a:ext cx="11830050" cy="3829404"/>
           </a:xfrm>
         </p:spPr>
         <p:txBody>
@@ -1722,8 +1722,8 @@
         </p:nvSpPr>
         <p:spPr>
           <a:xfrm>
-            <a:off x="472381" y="2428347"/>
-            <a:ext cx="2901255" cy="1190095"/>
+            <a:off x="944763" y="4856693"/>
+            <a:ext cx="5802510" cy="2380190"/>
           </a:xfrm>
         </p:spPr>
         <p:txBody>
@@ -1731,39 +1731,39 @@
           <a:lstStyle>
             <a:lvl1pPr marL="0" indent="0">
               <a:buNone/>
-              <a:defRPr sz="1800" b="1"/>
+              <a:defRPr sz="3600" b="1"/>
             </a:lvl1pPr>
-            <a:lvl2pPr marL="342900" indent="0">
+            <a:lvl2pPr marL="685800" indent="0">
               <a:buNone/>
-              <a:defRPr sz="1500" b="1"/>
+              <a:defRPr sz="3000" b="1"/>
             </a:lvl2pPr>
-            <a:lvl3pPr marL="685800" indent="0">
+            <a:lvl3pPr marL="1371600" indent="0">
               <a:buNone/>
-              <a:defRPr sz="1350" b="1"/>
+              <a:defRPr sz="2700" b="1"/>
             </a:lvl3pPr>
-            <a:lvl4pPr marL="1028700" indent="0">
+            <a:lvl4pPr marL="2057400" indent="0">
               <a:buNone/>
-              <a:defRPr sz="1200" b="1"/>
+              <a:defRPr sz="2400" b="1"/>
             </a:lvl4pPr>
-            <a:lvl5pPr marL="1371600" indent="0">
+            <a:lvl5pPr marL="2743200" indent="0">
               <a:buNone/>
-              <a:defRPr sz="1200" b="1"/>
+              <a:defRPr sz="2400" b="1"/>
             </a:lvl5pPr>
-            <a:lvl6pPr marL="1714500" indent="0">
+            <a:lvl6pPr marL="3429000" indent="0">
               <a:buNone/>
-              <a:defRPr sz="1200" b="1"/>
+              <a:defRPr sz="2400" b="1"/>
             </a:lvl6pPr>
-            <a:lvl7pPr marL="2057400" indent="0">
+            <a:lvl7pPr marL="4114800" indent="0">
               <a:buNone/>
-              <a:defRPr sz="1200" b="1"/>
+              <a:defRPr sz="2400" b="1"/>
             </a:lvl7pPr>
-            <a:lvl8pPr marL="2400300" indent="0">
+            <a:lvl8pPr marL="4800600" indent="0">
               <a:buNone/>
-              <a:defRPr sz="1200" b="1"/>
+              <a:defRPr sz="2400" b="1"/>
             </a:lvl8pPr>
-            <a:lvl9pPr marL="2743200" indent="0">
+            <a:lvl9pPr marL="5486400" indent="0">
               <a:buNone/>
-              <a:defRPr sz="1200" b="1"/>
+              <a:defRPr sz="2400" b="1"/>
             </a:lvl9pPr>
           </a:lstStyle>
           <a:p>
@@ -1787,8 +1787,8 @@
         </p:nvSpPr>
         <p:spPr>
           <a:xfrm>
-            <a:off x="472381" y="3618442"/>
-            <a:ext cx="2901255" cy="5322183"/>
+            <a:off x="944763" y="7236884"/>
+            <a:ext cx="5802510" cy="10644365"/>
           </a:xfrm>
         </p:spPr>
         <p:txBody>
@@ -1844,8 +1844,8 @@
         </p:nvSpPr>
         <p:spPr>
           <a:xfrm>
-            <a:off x="3471863" y="2428347"/>
-            <a:ext cx="2915543" cy="1190095"/>
+            <a:off x="6943726" y="4856693"/>
+            <a:ext cx="5831087" cy="2380190"/>
           </a:xfrm>
         </p:spPr>
         <p:txBody>
@@ -1853,39 +1853,39 @@
           <a:lstStyle>
             <a:lvl1pPr marL="0" indent="0">
               <a:buNone/>
-              <a:defRPr sz="1800" b="1"/>
+              <a:defRPr sz="3600" b="1"/>
             </a:lvl1pPr>
-            <a:lvl2pPr marL="342900" indent="0">
+            <a:lvl2pPr marL="685800" indent="0">
               <a:buNone/>
-              <a:defRPr sz="1500" b="1"/>
+              <a:defRPr sz="3000" b="1"/>
             </a:lvl2pPr>
-            <a:lvl3pPr marL="685800" indent="0">
+            <a:lvl3pPr marL="1371600" indent="0">
               <a:buNone/>
-              <a:defRPr sz="1350" b="1"/>
+              <a:defRPr sz="2700" b="1"/>
             </a:lvl3pPr>
-            <a:lvl4pPr marL="1028700" indent="0">
+            <a:lvl4pPr marL="2057400" indent="0">
               <a:buNone/>
-              <a:defRPr sz="1200" b="1"/>
+              <a:defRPr sz="2400" b="1"/>
             </a:lvl4pPr>
-            <a:lvl5pPr marL="1371600" indent="0">
+            <a:lvl5pPr marL="2743200" indent="0">
               <a:buNone/>
-              <a:defRPr sz="1200" b="1"/>
+              <a:defRPr sz="2400" b="1"/>
             </a:lvl5pPr>
-            <a:lvl6pPr marL="1714500" indent="0">
+            <a:lvl6pPr marL="3429000" indent="0">
               <a:buNone/>
-              <a:defRPr sz="1200" b="1"/>
+              <a:defRPr sz="2400" b="1"/>
             </a:lvl6pPr>
-            <a:lvl7pPr marL="2057400" indent="0">
+            <a:lvl7pPr marL="4114800" indent="0">
               <a:buNone/>
-              <a:defRPr sz="1200" b="1"/>
+              <a:defRPr sz="2400" b="1"/>
             </a:lvl7pPr>
-            <a:lvl8pPr marL="2400300" indent="0">
+            <a:lvl8pPr marL="4800600" indent="0">
               <a:buNone/>
-              <a:defRPr sz="1200" b="1"/>
+              <a:defRPr sz="2400" b="1"/>
             </a:lvl8pPr>
-            <a:lvl9pPr marL="2743200" indent="0">
+            <a:lvl9pPr marL="5486400" indent="0">
               <a:buNone/>
-              <a:defRPr sz="1200" b="1"/>
+              <a:defRPr sz="2400" b="1"/>
             </a:lvl9pPr>
           </a:lstStyle>
           <a:p>
@@ -1909,8 +1909,8 @@
         </p:nvSpPr>
         <p:spPr>
           <a:xfrm>
-            <a:off x="3471863" y="3618442"/>
-            <a:ext cx="2915543" cy="5322183"/>
+            <a:off x="6943726" y="7236884"/>
+            <a:ext cx="5831087" cy="10644365"/>
           </a:xfrm>
         </p:spPr>
         <p:txBody>
@@ -1971,7 +1971,7 @@
           <a:p>
             <a:fld id="{E6909C40-BD28-4EED-B5BD-D584463F68C0}" type="datetimeFigureOut">
               <a:rPr lang="en-IN" smtClean="0"/>
-              <a:t>10-10-2021</a:t>
+              <a:t>02-01-2022</a:t>
             </a:fld>
             <a:endParaRPr lang="en-IN"/>
           </a:p>
@@ -2022,7 +2022,7 @@
     </p:spTree>
     <p:extLst>
       <p:ext uri="{BB962C8B-B14F-4D97-AF65-F5344CB8AC3E}">
-        <p14:creationId xmlns:p14="http://schemas.microsoft.com/office/powerpoint/2010/main" val="1237995314"/>
+        <p14:creationId xmlns:p14="http://schemas.microsoft.com/office/powerpoint/2010/main" val="1186903394"/>
       </p:ext>
     </p:extLst>
   </p:cSld>
@@ -2089,7 +2089,7 @@
           <a:p>
             <a:fld id="{E6909C40-BD28-4EED-B5BD-D584463F68C0}" type="datetimeFigureOut">
               <a:rPr lang="en-IN" smtClean="0"/>
-              <a:t>10-10-2021</a:t>
+              <a:t>02-01-2022</a:t>
             </a:fld>
             <a:endParaRPr lang="en-IN"/>
           </a:p>
@@ -2140,7 +2140,7 @@
     </p:spTree>
     <p:extLst>
       <p:ext uri="{BB962C8B-B14F-4D97-AF65-F5344CB8AC3E}">
-        <p14:creationId xmlns:p14="http://schemas.microsoft.com/office/powerpoint/2010/main" val="639465786"/>
+        <p14:creationId xmlns:p14="http://schemas.microsoft.com/office/powerpoint/2010/main" val="3152770406"/>
       </p:ext>
     </p:extLst>
   </p:cSld>
@@ -2184,7 +2184,7 @@
           <a:p>
             <a:fld id="{E6909C40-BD28-4EED-B5BD-D584463F68C0}" type="datetimeFigureOut">
               <a:rPr lang="en-IN" smtClean="0"/>
-              <a:t>10-10-2021</a:t>
+              <a:t>02-01-2022</a:t>
             </a:fld>
             <a:endParaRPr lang="en-IN"/>
           </a:p>
@@ -2235,7 +2235,7 @@
     </p:spTree>
     <p:extLst>
       <p:ext uri="{BB962C8B-B14F-4D97-AF65-F5344CB8AC3E}">
-        <p14:creationId xmlns:p14="http://schemas.microsoft.com/office/powerpoint/2010/main" val="496734313"/>
+        <p14:creationId xmlns:p14="http://schemas.microsoft.com/office/powerpoint/2010/main" val="24427943"/>
       </p:ext>
     </p:extLst>
   </p:cSld>
@@ -2274,15 +2274,15 @@
         </p:nvSpPr>
         <p:spPr>
           <a:xfrm>
-            <a:off x="472381" y="660400"/>
-            <a:ext cx="2211884" cy="2311400"/>
+            <a:off x="944762" y="1320800"/>
+            <a:ext cx="4423767" cy="4622800"/>
           </a:xfrm>
         </p:spPr>
         <p:txBody>
           <a:bodyPr anchor="b"/>
           <a:lstStyle>
             <a:lvl1pPr>
-              <a:defRPr sz="2400"/>
+              <a:defRPr sz="4800"/>
             </a:lvl1pPr>
           </a:lstStyle>
           <a:p>
@@ -2306,39 +2306,39 @@
         </p:nvSpPr>
         <p:spPr>
           <a:xfrm>
-            <a:off x="2915543" y="1426283"/>
-            <a:ext cx="3471863" cy="7039681"/>
+            <a:off x="5831087" y="2852566"/>
+            <a:ext cx="6943725" cy="14079361"/>
           </a:xfrm>
         </p:spPr>
         <p:txBody>
           <a:bodyPr/>
           <a:lstStyle>
             <a:lvl1pPr>
-              <a:defRPr sz="2400"/>
+              <a:defRPr sz="4800"/>
             </a:lvl1pPr>
             <a:lvl2pPr>
-              <a:defRPr sz="2100"/>
+              <a:defRPr sz="4200"/>
             </a:lvl2pPr>
             <a:lvl3pPr>
-              <a:defRPr sz="1800"/>
+              <a:defRPr sz="3600"/>
             </a:lvl3pPr>
             <a:lvl4pPr>
-              <a:defRPr sz="1500"/>
+              <a:defRPr sz="3000"/>
             </a:lvl4pPr>
             <a:lvl5pPr>
-              <a:defRPr sz="1500"/>
+              <a:defRPr sz="3000"/>
             </a:lvl5pPr>
             <a:lvl6pPr>
-              <a:defRPr sz="1500"/>
+              <a:defRPr sz="3000"/>
             </a:lvl6pPr>
             <a:lvl7pPr>
-              <a:defRPr sz="1500"/>
+              <a:defRPr sz="3000"/>
             </a:lvl7pPr>
             <a:lvl8pPr>
-              <a:defRPr sz="1500"/>
+              <a:defRPr sz="3000"/>
             </a:lvl8pPr>
             <a:lvl9pPr>
-              <a:defRPr sz="1500"/>
+              <a:defRPr sz="3000"/>
             </a:lvl9pPr>
           </a:lstStyle>
           <a:p>
@@ -2391,8 +2391,8 @@
         </p:nvSpPr>
         <p:spPr>
           <a:xfrm>
-            <a:off x="472381" y="2971800"/>
-            <a:ext cx="2211884" cy="5505627"/>
+            <a:off x="944762" y="5943600"/>
+            <a:ext cx="4423767" cy="11011254"/>
           </a:xfrm>
         </p:spPr>
         <p:txBody>
@@ -2400,39 +2400,39 @@
           <a:lstStyle>
             <a:lvl1pPr marL="0" indent="0">
               <a:buNone/>
-              <a:defRPr sz="1200"/>
+              <a:defRPr sz="2400"/>
             </a:lvl1pPr>
-            <a:lvl2pPr marL="342900" indent="0">
+            <a:lvl2pPr marL="685800" indent="0">
               <a:buNone/>
-              <a:defRPr sz="1050"/>
+              <a:defRPr sz="2100"/>
             </a:lvl2pPr>
-            <a:lvl3pPr marL="685800" indent="0">
+            <a:lvl3pPr marL="1371600" indent="0">
               <a:buNone/>
-              <a:defRPr sz="900"/>
+              <a:defRPr sz="1800"/>
             </a:lvl3pPr>
-            <a:lvl4pPr marL="1028700" indent="0">
+            <a:lvl4pPr marL="2057400" indent="0">
               <a:buNone/>
-              <a:defRPr sz="750"/>
+              <a:defRPr sz="1500"/>
             </a:lvl4pPr>
-            <a:lvl5pPr marL="1371600" indent="0">
+            <a:lvl5pPr marL="2743200" indent="0">
               <a:buNone/>
-              <a:defRPr sz="750"/>
+              <a:defRPr sz="1500"/>
             </a:lvl5pPr>
-            <a:lvl6pPr marL="1714500" indent="0">
+            <a:lvl6pPr marL="3429000" indent="0">
               <a:buNone/>
-              <a:defRPr sz="750"/>
+              <a:defRPr sz="1500"/>
             </a:lvl6pPr>
-            <a:lvl7pPr marL="2057400" indent="0">
+            <a:lvl7pPr marL="4114800" indent="0">
               <a:buNone/>
-              <a:defRPr sz="750"/>
+              <a:defRPr sz="1500"/>
             </a:lvl7pPr>
-            <a:lvl8pPr marL="2400300" indent="0">
+            <a:lvl8pPr marL="4800600" indent="0">
               <a:buNone/>
-              <a:defRPr sz="750"/>
+              <a:defRPr sz="1500"/>
             </a:lvl8pPr>
-            <a:lvl9pPr marL="2743200" indent="0">
+            <a:lvl9pPr marL="5486400" indent="0">
               <a:buNone/>
-              <a:defRPr sz="750"/>
+              <a:defRPr sz="1500"/>
             </a:lvl9pPr>
           </a:lstStyle>
           <a:p>
@@ -2461,7 +2461,7 @@
           <a:p>
             <a:fld id="{E6909C40-BD28-4EED-B5BD-D584463F68C0}" type="datetimeFigureOut">
               <a:rPr lang="en-IN" smtClean="0"/>
-              <a:t>10-10-2021</a:t>
+              <a:t>02-01-2022</a:t>
             </a:fld>
             <a:endParaRPr lang="en-IN"/>
           </a:p>
@@ -2512,7 +2512,7 @@
     </p:spTree>
     <p:extLst>
       <p:ext uri="{BB962C8B-B14F-4D97-AF65-F5344CB8AC3E}">
-        <p14:creationId xmlns:p14="http://schemas.microsoft.com/office/powerpoint/2010/main" val="719726714"/>
+        <p14:creationId xmlns:p14="http://schemas.microsoft.com/office/powerpoint/2010/main" val="2040304504"/>
       </p:ext>
     </p:extLst>
   </p:cSld>
@@ -2551,15 +2551,15 @@
         </p:nvSpPr>
         <p:spPr>
           <a:xfrm>
-            <a:off x="472381" y="660400"/>
-            <a:ext cx="2211884" cy="2311400"/>
+            <a:off x="944762" y="1320800"/>
+            <a:ext cx="4423767" cy="4622800"/>
           </a:xfrm>
         </p:spPr>
         <p:txBody>
           <a:bodyPr anchor="b"/>
           <a:lstStyle>
             <a:lvl1pPr>
-              <a:defRPr sz="2400"/>
+              <a:defRPr sz="4800"/>
             </a:lvl1pPr>
           </a:lstStyle>
           <a:p>
@@ -2583,116 +2583,116 @@
         </p:nvSpPr>
         <p:spPr>
           <a:xfrm>
-            <a:off x="2915543" y="1426283"/>
-            <a:ext cx="3471863" cy="7039681"/>
+            <a:off x="5831087" y="2852566"/>
+            <a:ext cx="6943725" cy="14079361"/>
           </a:xfrm>
         </p:spPr>
         <p:txBody>
           <a:bodyPr anchor="t"/>
+          <a:lstStyle>
+            <a:lvl1pPr marL="0" indent="0">
+              <a:buNone/>
+              <a:defRPr sz="4800"/>
+            </a:lvl1pPr>
+            <a:lvl2pPr marL="685800" indent="0">
+              <a:buNone/>
+              <a:defRPr sz="4200"/>
+            </a:lvl2pPr>
+            <a:lvl3pPr marL="1371600" indent="0">
+              <a:buNone/>
+              <a:defRPr sz="3600"/>
+            </a:lvl3pPr>
+            <a:lvl4pPr marL="2057400" indent="0">
+              <a:buNone/>
+              <a:defRPr sz="3000"/>
+            </a:lvl4pPr>
+            <a:lvl5pPr marL="2743200" indent="0">
+              <a:buNone/>
+              <a:defRPr sz="3000"/>
+            </a:lvl5pPr>
+            <a:lvl6pPr marL="3429000" indent="0">
+              <a:buNone/>
+              <a:defRPr sz="3000"/>
+            </a:lvl6pPr>
+            <a:lvl7pPr marL="4114800" indent="0">
+              <a:buNone/>
+              <a:defRPr sz="3000"/>
+            </a:lvl7pPr>
+            <a:lvl8pPr marL="4800600" indent="0">
+              <a:buNone/>
+              <a:defRPr sz="3000"/>
+            </a:lvl8pPr>
+            <a:lvl9pPr marL="5486400" indent="0">
+              <a:buNone/>
+              <a:defRPr sz="3000"/>
+            </a:lvl9pPr>
+          </a:lstStyle>
+          <a:p>
+            <a:r>
+              <a:rPr lang="en-US"/>
+              <a:t>Click icon to add picture</a:t>
+            </a:r>
+            <a:endParaRPr lang="en-US" dirty="0"/>
+          </a:p>
+        </p:txBody>
+      </p:sp>
+      <p:sp>
+        <p:nvSpPr>
+          <p:cNvPr id="4" name="Text Placeholder 3"/>
+          <p:cNvSpPr>
+            <a:spLocks noGrp="1"/>
+          </p:cNvSpPr>
+          <p:nvPr>
+            <p:ph type="body" sz="half" idx="2"/>
+          </p:nvPr>
+        </p:nvSpPr>
+        <p:spPr>
+          <a:xfrm>
+            <a:off x="944762" y="5943600"/>
+            <a:ext cx="4423767" cy="11011254"/>
+          </a:xfrm>
+        </p:spPr>
+        <p:txBody>
+          <a:bodyPr/>
           <a:lstStyle>
             <a:lvl1pPr marL="0" indent="0">
               <a:buNone/>
               <a:defRPr sz="2400"/>
             </a:lvl1pPr>
-            <a:lvl2pPr marL="342900" indent="0">
+            <a:lvl2pPr marL="685800" indent="0">
               <a:buNone/>
               <a:defRPr sz="2100"/>
             </a:lvl2pPr>
-            <a:lvl3pPr marL="685800" indent="0">
+            <a:lvl3pPr marL="1371600" indent="0">
               <a:buNone/>
               <a:defRPr sz="1800"/>
             </a:lvl3pPr>
-            <a:lvl4pPr marL="1028700" indent="0">
+            <a:lvl4pPr marL="2057400" indent="0">
               <a:buNone/>
               <a:defRPr sz="1500"/>
             </a:lvl4pPr>
-            <a:lvl5pPr marL="1371600" indent="0">
+            <a:lvl5pPr marL="2743200" indent="0">
               <a:buNone/>
               <a:defRPr sz="1500"/>
             </a:lvl5pPr>
-            <a:lvl6pPr marL="1714500" indent="0">
+            <a:lvl6pPr marL="3429000" indent="0">
               <a:buNone/>
               <a:defRPr sz="1500"/>
             </a:lvl6pPr>
-            <a:lvl7pPr marL="2057400" indent="0">
+            <a:lvl7pPr marL="4114800" indent="0">
               <a:buNone/>
               <a:defRPr sz="1500"/>
             </a:lvl7pPr>
-            <a:lvl8pPr marL="2400300" indent="0">
+            <a:lvl8pPr marL="4800600" indent="0">
               <a:buNone/>
               <a:defRPr sz="1500"/>
             </a:lvl8pPr>
-            <a:lvl9pPr marL="2743200" indent="0">
+            <a:lvl9pPr marL="5486400" indent="0">
               <a:buNone/>
               <a:defRPr sz="1500"/>
             </a:lvl9pPr>
           </a:lstStyle>
           <a:p>
-            <a:r>
-              <a:rPr lang="en-US"/>
-              <a:t>Click icon to add picture</a:t>
-            </a:r>
-            <a:endParaRPr lang="en-US" dirty="0"/>
-          </a:p>
-        </p:txBody>
-      </p:sp>
-      <p:sp>
-        <p:nvSpPr>
-          <p:cNvPr id="4" name="Text Placeholder 3"/>
-          <p:cNvSpPr>
-            <a:spLocks noGrp="1"/>
-          </p:cNvSpPr>
-          <p:nvPr>
-            <p:ph type="body" sz="half" idx="2"/>
-          </p:nvPr>
-        </p:nvSpPr>
-        <p:spPr>
-          <a:xfrm>
-            <a:off x="472381" y="2971800"/>
-            <a:ext cx="2211884" cy="5505627"/>
-          </a:xfrm>
-        </p:spPr>
-        <p:txBody>
-          <a:bodyPr/>
-          <a:lstStyle>
-            <a:lvl1pPr marL="0" indent="0">
-              <a:buNone/>
-              <a:defRPr sz="1200"/>
-            </a:lvl1pPr>
-            <a:lvl2pPr marL="342900" indent="0">
-              <a:buNone/>
-              <a:defRPr sz="1050"/>
-            </a:lvl2pPr>
-            <a:lvl3pPr marL="685800" indent="0">
-              <a:buNone/>
-              <a:defRPr sz="900"/>
-            </a:lvl3pPr>
-            <a:lvl4pPr marL="1028700" indent="0">
-              <a:buNone/>
-              <a:defRPr sz="750"/>
-            </a:lvl4pPr>
-            <a:lvl5pPr marL="1371600" indent="0">
-              <a:buNone/>
-              <a:defRPr sz="750"/>
-            </a:lvl5pPr>
-            <a:lvl6pPr marL="1714500" indent="0">
-              <a:buNone/>
-              <a:defRPr sz="750"/>
-            </a:lvl6pPr>
-            <a:lvl7pPr marL="2057400" indent="0">
-              <a:buNone/>
-              <a:defRPr sz="750"/>
-            </a:lvl7pPr>
-            <a:lvl8pPr marL="2400300" indent="0">
-              <a:buNone/>
-              <a:defRPr sz="750"/>
-            </a:lvl8pPr>
-            <a:lvl9pPr marL="2743200" indent="0">
-              <a:buNone/>
-              <a:defRPr sz="750"/>
-            </a:lvl9pPr>
-          </a:lstStyle>
-          <a:p>
             <a:pPr lvl="0"/>
             <a:r>
               <a:rPr lang="en-US"/>
@@ -2718,7 +2718,7 @@
           <a:p>
             <a:fld id="{E6909C40-BD28-4EED-B5BD-D584463F68C0}" type="datetimeFigureOut">
               <a:rPr lang="en-IN" smtClean="0"/>
-              <a:t>10-10-2021</a:t>
+              <a:t>02-01-2022</a:t>
             </a:fld>
             <a:endParaRPr lang="en-IN"/>
           </a:p>
@@ -2769,7 +2769,7 @@
     </p:spTree>
     <p:extLst>
       <p:ext uri="{BB962C8B-B14F-4D97-AF65-F5344CB8AC3E}">
-        <p14:creationId xmlns:p14="http://schemas.microsoft.com/office/powerpoint/2010/main" val="144929038"/>
+        <p14:creationId xmlns:p14="http://schemas.microsoft.com/office/powerpoint/2010/main" val="2419810866"/>
       </p:ext>
     </p:extLst>
   </p:cSld>
@@ -2813,8 +2813,8 @@
         </p:nvSpPr>
         <p:spPr>
           <a:xfrm>
-            <a:off x="471488" y="527405"/>
-            <a:ext cx="5915025" cy="1914702"/>
+            <a:off x="942975" y="1054810"/>
+            <a:ext cx="11830050" cy="3829404"/>
           </a:xfrm>
           <a:prstGeom prst="rect">
             <a:avLst/>
@@ -2846,8 +2846,8 @@
         </p:nvSpPr>
         <p:spPr>
           <a:xfrm>
-            <a:off x="471488" y="2637014"/>
-            <a:ext cx="5915025" cy="6285266"/>
+            <a:off x="942975" y="5274028"/>
+            <a:ext cx="11830050" cy="12570532"/>
           </a:xfrm>
           <a:prstGeom prst="rect">
             <a:avLst/>
@@ -2908,8 +2908,8 @@
         </p:nvSpPr>
         <p:spPr>
           <a:xfrm>
-            <a:off x="471488" y="9181397"/>
-            <a:ext cx="1543050" cy="527403"/>
+            <a:off x="942975" y="18362793"/>
+            <a:ext cx="3086100" cy="1054806"/>
           </a:xfrm>
           <a:prstGeom prst="rect">
             <a:avLst/>
@@ -2919,7 +2919,7 @@
           <a:bodyPr vert="horz" lIns="91440" tIns="45720" rIns="91440" bIns="45720" rtlCol="0" anchor="ctr"/>
           <a:lstStyle>
             <a:lvl1pPr algn="l">
-              <a:defRPr sz="900">
+              <a:defRPr sz="1800">
                 <a:solidFill>
                   <a:schemeClr val="tx1">
                     <a:tint val="75000"/>
@@ -2931,7 +2931,7 @@
           <a:p>
             <a:fld id="{E6909C40-BD28-4EED-B5BD-D584463F68C0}" type="datetimeFigureOut">
               <a:rPr lang="en-IN" smtClean="0"/>
-              <a:t>10-10-2021</a:t>
+              <a:t>02-01-2022</a:t>
             </a:fld>
             <a:endParaRPr lang="en-IN"/>
           </a:p>
@@ -2949,8 +2949,8 @@
         </p:nvSpPr>
         <p:spPr>
           <a:xfrm>
-            <a:off x="2271713" y="9181397"/>
-            <a:ext cx="2314575" cy="527403"/>
+            <a:off x="4543425" y="18362793"/>
+            <a:ext cx="4629150" cy="1054806"/>
           </a:xfrm>
           <a:prstGeom prst="rect">
             <a:avLst/>
@@ -2960,7 +2960,7 @@
           <a:bodyPr vert="horz" lIns="91440" tIns="45720" rIns="91440" bIns="45720" rtlCol="0" anchor="ctr"/>
           <a:lstStyle>
             <a:lvl1pPr algn="ctr">
-              <a:defRPr sz="900">
+              <a:defRPr sz="1800">
                 <a:solidFill>
                   <a:schemeClr val="tx1">
                     <a:tint val="75000"/>
@@ -2986,8 +2986,8 @@
         </p:nvSpPr>
         <p:spPr>
           <a:xfrm>
-            <a:off x="4843463" y="9181397"/>
-            <a:ext cx="1543050" cy="527403"/>
+            <a:off x="9686925" y="18362793"/>
+            <a:ext cx="3086100" cy="1054806"/>
           </a:xfrm>
           <a:prstGeom prst="rect">
             <a:avLst/>
@@ -2997,7 +2997,7 @@
           <a:bodyPr vert="horz" lIns="91440" tIns="45720" rIns="91440" bIns="45720" rtlCol="0" anchor="ctr"/>
           <a:lstStyle>
             <a:lvl1pPr algn="r">
-              <a:defRPr sz="900">
+              <a:defRPr sz="1800">
                 <a:solidFill>
                   <a:schemeClr val="tx1">
                     <a:tint val="75000"/>
@@ -3018,27 +3018,27 @@
     </p:spTree>
     <p:extLst>
       <p:ext uri="{BB962C8B-B14F-4D97-AF65-F5344CB8AC3E}">
-        <p14:creationId xmlns:p14="http://schemas.microsoft.com/office/powerpoint/2010/main" val="1863431375"/>
+        <p14:creationId xmlns:p14="http://schemas.microsoft.com/office/powerpoint/2010/main" val="2647389944"/>
       </p:ext>
     </p:extLst>
   </p:cSld>
   <p:clrMap bg1="lt1" tx1="dk1" bg2="lt2" tx2="dk2" accent1="accent1" accent2="accent2" accent3="accent3" accent4="accent4" accent5="accent5" accent6="accent6" hlink="hlink" folHlink="folHlink"/>
   <p:sldLayoutIdLst>
-    <p:sldLayoutId id="2147483673" r:id="rId1"/>
-    <p:sldLayoutId id="2147483674" r:id="rId2"/>
-    <p:sldLayoutId id="2147483675" r:id="rId3"/>
-    <p:sldLayoutId id="2147483676" r:id="rId4"/>
-    <p:sldLayoutId id="2147483677" r:id="rId5"/>
-    <p:sldLayoutId id="2147483678" r:id="rId6"/>
-    <p:sldLayoutId id="2147483679" r:id="rId7"/>
-    <p:sldLayoutId id="2147483680" r:id="rId8"/>
-    <p:sldLayoutId id="2147483681" r:id="rId9"/>
-    <p:sldLayoutId id="2147483682" r:id="rId10"/>
-    <p:sldLayoutId id="2147483683" r:id="rId11"/>
+    <p:sldLayoutId id="2147483685" r:id="rId1"/>
+    <p:sldLayoutId id="2147483686" r:id="rId2"/>
+    <p:sldLayoutId id="2147483687" r:id="rId3"/>
+    <p:sldLayoutId id="2147483688" r:id="rId4"/>
+    <p:sldLayoutId id="2147483689" r:id="rId5"/>
+    <p:sldLayoutId id="2147483690" r:id="rId6"/>
+    <p:sldLayoutId id="2147483691" r:id="rId7"/>
+    <p:sldLayoutId id="2147483692" r:id="rId8"/>
+    <p:sldLayoutId id="2147483693" r:id="rId9"/>
+    <p:sldLayoutId id="2147483694" r:id="rId10"/>
+    <p:sldLayoutId id="2147483695" r:id="rId11"/>
   </p:sldLayoutIdLst>
   <p:txStyles>
     <p:titleStyle>
-      <a:lvl1pPr algn="l" defTabSz="685800" rtl="0" eaLnBrk="1" latinLnBrk="0" hangingPunct="1">
+      <a:lvl1pPr algn="l" defTabSz="1371600" rtl="0" eaLnBrk="1" latinLnBrk="0" hangingPunct="1">
         <a:lnSpc>
           <a:spcPct val="90000"/>
         </a:lnSpc>
@@ -3046,7 +3046,7 @@
           <a:spcPct val="0"/>
         </a:spcBef>
         <a:buNone/>
-        <a:defRPr sz="3300" kern="1200">
+        <a:defRPr sz="6600" kern="1200">
           <a:solidFill>
             <a:schemeClr val="tx1"/>
           </a:solidFill>
@@ -3057,7 +3057,25 @@
       </a:lvl1pPr>
     </p:titleStyle>
     <p:bodyStyle>
-      <a:lvl1pPr marL="171450" indent="-171450" algn="l" defTabSz="685800" rtl="0" eaLnBrk="1" latinLnBrk="0" hangingPunct="1">
+      <a:lvl1pPr marL="342900" indent="-342900" algn="l" defTabSz="1371600" rtl="0" eaLnBrk="1" latinLnBrk="0" hangingPunct="1">
+        <a:lnSpc>
+          <a:spcPct val="90000"/>
+        </a:lnSpc>
+        <a:spcBef>
+          <a:spcPts val="1500"/>
+        </a:spcBef>
+        <a:buFont typeface="Arial" panose="020B0604020202020204" pitchFamily="34" charset="0"/>
+        <a:buChar char="•"/>
+        <a:defRPr sz="4200" kern="1200">
+          <a:solidFill>
+            <a:schemeClr val="tx1"/>
+          </a:solidFill>
+          <a:latin typeface="+mn-lt"/>
+          <a:ea typeface="+mn-ea"/>
+          <a:cs typeface="+mn-cs"/>
+        </a:defRPr>
+      </a:lvl1pPr>
+      <a:lvl2pPr marL="1028700" indent="-342900" algn="l" defTabSz="1371600" rtl="0" eaLnBrk="1" latinLnBrk="0" hangingPunct="1">
         <a:lnSpc>
           <a:spcPct val="90000"/>
         </a:lnSpc>
@@ -3066,25 +3084,7 @@
         </a:spcBef>
         <a:buFont typeface="Arial" panose="020B0604020202020204" pitchFamily="34" charset="0"/>
         <a:buChar char="•"/>
-        <a:defRPr sz="2100" kern="1200">
-          <a:solidFill>
-            <a:schemeClr val="tx1"/>
-          </a:solidFill>
-          <a:latin typeface="+mn-lt"/>
-          <a:ea typeface="+mn-ea"/>
-          <a:cs typeface="+mn-cs"/>
-        </a:defRPr>
-      </a:lvl1pPr>
-      <a:lvl2pPr marL="514350" indent="-171450" algn="l" defTabSz="685800" rtl="0" eaLnBrk="1" latinLnBrk="0" hangingPunct="1">
-        <a:lnSpc>
-          <a:spcPct val="90000"/>
-        </a:lnSpc>
-        <a:spcBef>
-          <a:spcPts val="375"/>
-        </a:spcBef>
-        <a:buFont typeface="Arial" panose="020B0604020202020204" pitchFamily="34" charset="0"/>
-        <a:buChar char="•"/>
-        <a:defRPr sz="1800" kern="1200">
+        <a:defRPr sz="3600" kern="1200">
           <a:solidFill>
             <a:schemeClr val="tx1"/>
           </a:solidFill>
@@ -3093,16 +3093,16 @@
           <a:cs typeface="+mn-cs"/>
         </a:defRPr>
       </a:lvl2pPr>
-      <a:lvl3pPr marL="857250" indent="-171450" algn="l" defTabSz="685800" rtl="0" eaLnBrk="1" latinLnBrk="0" hangingPunct="1">
+      <a:lvl3pPr marL="1714500" indent="-342900" algn="l" defTabSz="1371600" rtl="0" eaLnBrk="1" latinLnBrk="0" hangingPunct="1">
         <a:lnSpc>
           <a:spcPct val="90000"/>
         </a:lnSpc>
         <a:spcBef>
-          <a:spcPts val="375"/>
+          <a:spcPts val="750"/>
         </a:spcBef>
         <a:buFont typeface="Arial" panose="020B0604020202020204" pitchFamily="34" charset="0"/>
         <a:buChar char="•"/>
-        <a:defRPr sz="1500" kern="1200">
+        <a:defRPr sz="3000" kern="1200">
           <a:solidFill>
             <a:schemeClr val="tx1"/>
           </a:solidFill>
@@ -3111,16 +3111,16 @@
           <a:cs typeface="+mn-cs"/>
         </a:defRPr>
       </a:lvl3pPr>
-      <a:lvl4pPr marL="1200150" indent="-171450" algn="l" defTabSz="685800" rtl="0" eaLnBrk="1" latinLnBrk="0" hangingPunct="1">
+      <a:lvl4pPr marL="2400300" indent="-342900" algn="l" defTabSz="1371600" rtl="0" eaLnBrk="1" latinLnBrk="0" hangingPunct="1">
         <a:lnSpc>
           <a:spcPct val="90000"/>
         </a:lnSpc>
         <a:spcBef>
-          <a:spcPts val="375"/>
+          <a:spcPts val="750"/>
         </a:spcBef>
         <a:buFont typeface="Arial" panose="020B0604020202020204" pitchFamily="34" charset="0"/>
         <a:buChar char="•"/>
-        <a:defRPr sz="1350" kern="1200">
+        <a:defRPr sz="2700" kern="1200">
           <a:solidFill>
             <a:schemeClr val="tx1"/>
           </a:solidFill>
@@ -3129,16 +3129,16 @@
           <a:cs typeface="+mn-cs"/>
         </a:defRPr>
       </a:lvl4pPr>
-      <a:lvl5pPr marL="1543050" indent="-171450" algn="l" defTabSz="685800" rtl="0" eaLnBrk="1" latinLnBrk="0" hangingPunct="1">
+      <a:lvl5pPr marL="3086100" indent="-342900" algn="l" defTabSz="1371600" rtl="0" eaLnBrk="1" latinLnBrk="0" hangingPunct="1">
         <a:lnSpc>
           <a:spcPct val="90000"/>
         </a:lnSpc>
         <a:spcBef>
-          <a:spcPts val="375"/>
+          <a:spcPts val="750"/>
         </a:spcBef>
         <a:buFont typeface="Arial" panose="020B0604020202020204" pitchFamily="34" charset="0"/>
         <a:buChar char="•"/>
-        <a:defRPr sz="1350" kern="1200">
+        <a:defRPr sz="2700" kern="1200">
           <a:solidFill>
             <a:schemeClr val="tx1"/>
           </a:solidFill>
@@ -3147,16 +3147,16 @@
           <a:cs typeface="+mn-cs"/>
         </a:defRPr>
       </a:lvl5pPr>
-      <a:lvl6pPr marL="1885950" indent="-171450" algn="l" defTabSz="685800" rtl="0" eaLnBrk="1" latinLnBrk="0" hangingPunct="1">
+      <a:lvl6pPr marL="3771900" indent="-342900" algn="l" defTabSz="1371600" rtl="0" eaLnBrk="1" latinLnBrk="0" hangingPunct="1">
         <a:lnSpc>
           <a:spcPct val="90000"/>
         </a:lnSpc>
         <a:spcBef>
-          <a:spcPts val="375"/>
+          <a:spcPts val="750"/>
         </a:spcBef>
         <a:buFont typeface="Arial" panose="020B0604020202020204" pitchFamily="34" charset="0"/>
         <a:buChar char="•"/>
-        <a:defRPr sz="1350" kern="1200">
+        <a:defRPr sz="2700" kern="1200">
           <a:solidFill>
             <a:schemeClr val="tx1"/>
           </a:solidFill>
@@ -3165,16 +3165,16 @@
           <a:cs typeface="+mn-cs"/>
         </a:defRPr>
       </a:lvl6pPr>
-      <a:lvl7pPr marL="2228850" indent="-171450" algn="l" defTabSz="685800" rtl="0" eaLnBrk="1" latinLnBrk="0" hangingPunct="1">
+      <a:lvl7pPr marL="4457700" indent="-342900" algn="l" defTabSz="1371600" rtl="0" eaLnBrk="1" latinLnBrk="0" hangingPunct="1">
         <a:lnSpc>
           <a:spcPct val="90000"/>
         </a:lnSpc>
         <a:spcBef>
-          <a:spcPts val="375"/>
+          <a:spcPts val="750"/>
         </a:spcBef>
         <a:buFont typeface="Arial" panose="020B0604020202020204" pitchFamily="34" charset="0"/>
         <a:buChar char="•"/>
-        <a:defRPr sz="1350" kern="1200">
+        <a:defRPr sz="2700" kern="1200">
           <a:solidFill>
             <a:schemeClr val="tx1"/>
           </a:solidFill>
@@ -3183,16 +3183,16 @@
           <a:cs typeface="+mn-cs"/>
         </a:defRPr>
       </a:lvl7pPr>
-      <a:lvl8pPr marL="2571750" indent="-171450" algn="l" defTabSz="685800" rtl="0" eaLnBrk="1" latinLnBrk="0" hangingPunct="1">
+      <a:lvl8pPr marL="5143500" indent="-342900" algn="l" defTabSz="1371600" rtl="0" eaLnBrk="1" latinLnBrk="0" hangingPunct="1">
         <a:lnSpc>
           <a:spcPct val="90000"/>
         </a:lnSpc>
         <a:spcBef>
-          <a:spcPts val="375"/>
+          <a:spcPts val="750"/>
         </a:spcBef>
         <a:buFont typeface="Arial" panose="020B0604020202020204" pitchFamily="34" charset="0"/>
         <a:buChar char="•"/>
-        <a:defRPr sz="1350" kern="1200">
+        <a:defRPr sz="2700" kern="1200">
           <a:solidFill>
             <a:schemeClr val="tx1"/>
           </a:solidFill>
@@ -3201,16 +3201,16 @@
           <a:cs typeface="+mn-cs"/>
         </a:defRPr>
       </a:lvl8pPr>
-      <a:lvl9pPr marL="2914650" indent="-171450" algn="l" defTabSz="685800" rtl="0" eaLnBrk="1" latinLnBrk="0" hangingPunct="1">
+      <a:lvl9pPr marL="5829300" indent="-342900" algn="l" defTabSz="1371600" rtl="0" eaLnBrk="1" latinLnBrk="0" hangingPunct="1">
         <a:lnSpc>
           <a:spcPct val="90000"/>
         </a:lnSpc>
         <a:spcBef>
-          <a:spcPts val="375"/>
+          <a:spcPts val="750"/>
         </a:spcBef>
         <a:buFont typeface="Arial" panose="020B0604020202020204" pitchFamily="34" charset="0"/>
         <a:buChar char="•"/>
-        <a:defRPr sz="1350" kern="1200">
+        <a:defRPr sz="2700" kern="1200">
           <a:solidFill>
             <a:schemeClr val="tx1"/>
           </a:solidFill>
@@ -3224,8 +3224,8 @@
       <a:defPPr>
         <a:defRPr lang="en-US"/>
       </a:defPPr>
-      <a:lvl1pPr marL="0" algn="l" defTabSz="685800" rtl="0" eaLnBrk="1" latinLnBrk="0" hangingPunct="1">
-        <a:defRPr sz="1350" kern="1200">
+      <a:lvl1pPr marL="0" algn="l" defTabSz="1371600" rtl="0" eaLnBrk="1" latinLnBrk="0" hangingPunct="1">
+        <a:defRPr sz="2700" kern="1200">
           <a:solidFill>
             <a:schemeClr val="tx1"/>
           </a:solidFill>
@@ -3234,8 +3234,8 @@
           <a:cs typeface="+mn-cs"/>
         </a:defRPr>
       </a:lvl1pPr>
-      <a:lvl2pPr marL="342900" algn="l" defTabSz="685800" rtl="0" eaLnBrk="1" latinLnBrk="0" hangingPunct="1">
-        <a:defRPr sz="1350" kern="1200">
+      <a:lvl2pPr marL="685800" algn="l" defTabSz="1371600" rtl="0" eaLnBrk="1" latinLnBrk="0" hangingPunct="1">
+        <a:defRPr sz="2700" kern="1200">
           <a:solidFill>
             <a:schemeClr val="tx1"/>
           </a:solidFill>
@@ -3244,8 +3244,8 @@
           <a:cs typeface="+mn-cs"/>
         </a:defRPr>
       </a:lvl2pPr>
-      <a:lvl3pPr marL="685800" algn="l" defTabSz="685800" rtl="0" eaLnBrk="1" latinLnBrk="0" hangingPunct="1">
-        <a:defRPr sz="1350" kern="1200">
+      <a:lvl3pPr marL="1371600" algn="l" defTabSz="1371600" rtl="0" eaLnBrk="1" latinLnBrk="0" hangingPunct="1">
+        <a:defRPr sz="2700" kern="1200">
           <a:solidFill>
             <a:schemeClr val="tx1"/>
           </a:solidFill>
@@ -3254,8 +3254,8 @@
           <a:cs typeface="+mn-cs"/>
         </a:defRPr>
       </a:lvl3pPr>
-      <a:lvl4pPr marL="1028700" algn="l" defTabSz="685800" rtl="0" eaLnBrk="1" latinLnBrk="0" hangingPunct="1">
-        <a:defRPr sz="1350" kern="1200">
+      <a:lvl4pPr marL="2057400" algn="l" defTabSz="1371600" rtl="0" eaLnBrk="1" latinLnBrk="0" hangingPunct="1">
+        <a:defRPr sz="2700" kern="1200">
           <a:solidFill>
             <a:schemeClr val="tx1"/>
           </a:solidFill>
@@ -3264,8 +3264,8 @@
           <a:cs typeface="+mn-cs"/>
         </a:defRPr>
       </a:lvl4pPr>
-      <a:lvl5pPr marL="1371600" algn="l" defTabSz="685800" rtl="0" eaLnBrk="1" latinLnBrk="0" hangingPunct="1">
-        <a:defRPr sz="1350" kern="1200">
+      <a:lvl5pPr marL="2743200" algn="l" defTabSz="1371600" rtl="0" eaLnBrk="1" latinLnBrk="0" hangingPunct="1">
+        <a:defRPr sz="2700" kern="1200">
           <a:solidFill>
             <a:schemeClr val="tx1"/>
           </a:solidFill>
@@ -3274,8 +3274,8 @@
           <a:cs typeface="+mn-cs"/>
         </a:defRPr>
       </a:lvl5pPr>
-      <a:lvl6pPr marL="1714500" algn="l" defTabSz="685800" rtl="0" eaLnBrk="1" latinLnBrk="0" hangingPunct="1">
-        <a:defRPr sz="1350" kern="1200">
+      <a:lvl6pPr marL="3429000" algn="l" defTabSz="1371600" rtl="0" eaLnBrk="1" latinLnBrk="0" hangingPunct="1">
+        <a:defRPr sz="2700" kern="1200">
           <a:solidFill>
             <a:schemeClr val="tx1"/>
           </a:solidFill>
@@ -3284,8 +3284,8 @@
           <a:cs typeface="+mn-cs"/>
         </a:defRPr>
       </a:lvl6pPr>
-      <a:lvl7pPr marL="2057400" algn="l" defTabSz="685800" rtl="0" eaLnBrk="1" latinLnBrk="0" hangingPunct="1">
-        <a:defRPr sz="1350" kern="1200">
+      <a:lvl7pPr marL="4114800" algn="l" defTabSz="1371600" rtl="0" eaLnBrk="1" latinLnBrk="0" hangingPunct="1">
+        <a:defRPr sz="2700" kern="1200">
           <a:solidFill>
             <a:schemeClr val="tx1"/>
           </a:solidFill>
@@ -3294,8 +3294,8 @@
           <a:cs typeface="+mn-cs"/>
         </a:defRPr>
       </a:lvl7pPr>
-      <a:lvl8pPr marL="2400300" algn="l" defTabSz="685800" rtl="0" eaLnBrk="1" latinLnBrk="0" hangingPunct="1">
-        <a:defRPr sz="1350" kern="1200">
+      <a:lvl8pPr marL="4800600" algn="l" defTabSz="1371600" rtl="0" eaLnBrk="1" latinLnBrk="0" hangingPunct="1">
+        <a:defRPr sz="2700" kern="1200">
           <a:solidFill>
             <a:schemeClr val="tx1"/>
           </a:solidFill>
@@ -3304,8 +3304,8 @@
           <a:cs typeface="+mn-cs"/>
         </a:defRPr>
       </a:lvl8pPr>
-      <a:lvl9pPr marL="2743200" algn="l" defTabSz="685800" rtl="0" eaLnBrk="1" latinLnBrk="0" hangingPunct="1">
-        <a:defRPr sz="1350" kern="1200">
+      <a:lvl9pPr marL="5486400" algn="l" defTabSz="1371600" rtl="0" eaLnBrk="1" latinLnBrk="0" hangingPunct="1">
+        <a:defRPr sz="2700" kern="1200">
           <a:solidFill>
             <a:schemeClr val="tx1"/>
           </a:solidFill>
@@ -3350,8 +3350,8 @@
         </p:nvSpPr>
         <p:spPr>
           <a:xfrm>
-            <a:off x="142875" y="171450"/>
-            <a:ext cx="6572250" cy="9529763"/>
+            <a:off x="285750" y="342909"/>
+            <a:ext cx="13144500" cy="19059526"/>
           </a:xfrm>
           <a:prstGeom prst="rect">
             <a:avLst/>
@@ -3386,7 +3386,7 @@
           <a:lstStyle/>
           <a:p>
             <a:pPr algn="ctr"/>
-            <a:endParaRPr lang="en-IN"/>
+            <a:endParaRPr lang="en-IN" sz="1770"/>
           </a:p>
         </p:txBody>
       </p:sp>
@@ -3404,8 +3404,8 @@
         </p:nvSpPr>
         <p:spPr>
           <a:xfrm>
-            <a:off x="288236" y="290131"/>
-            <a:ext cx="6281737" cy="9282113"/>
+            <a:off x="593120" y="623887"/>
+            <a:ext cx="12563476" cy="18564226"/>
           </a:xfrm>
           <a:prstGeom prst="rect">
             <a:avLst/>
@@ -3440,7 +3440,7 @@
           <a:lstStyle/>
           <a:p>
             <a:pPr algn="ctr"/>
-            <a:endParaRPr lang="en-IN" dirty="0"/>
+            <a:endParaRPr lang="en-IN" sz="1770" dirty="0"/>
           </a:p>
         </p:txBody>
       </p:sp>
@@ -3459,14 +3459,14 @@
           <p:nvPr>
             <p:extLst>
               <p:ext uri="{D42A27DB-BD31-4B8C-83A1-F6EECF244321}">
-                <p14:modId xmlns:p14="http://schemas.microsoft.com/office/powerpoint/2010/main" val="1328513181"/>
+                <p14:modId xmlns:p14="http://schemas.microsoft.com/office/powerpoint/2010/main" val="45496459"/>
               </p:ext>
             </p:extLst>
           </p:nvPr>
         </p:nvGraphicFramePr>
         <p:xfrm>
-          <a:off x="288132" y="3421380"/>
-          <a:ext cx="6280308" cy="338551"/>
+          <a:off x="592910" y="6842760"/>
+          <a:ext cx="12543572" cy="677100"/>
         </p:xfrm>
         <a:graphic>
           <a:graphicData uri="http://schemas.openxmlformats.org/drawingml/2006/table">
@@ -3475,63 +3475,63 @@
                 <a:tableStyleId>{5C22544A-7EE6-4342-B048-85BDC9FD1C3A}</a:tableStyleId>
               </a:tblPr>
               <a:tblGrid>
-                <a:gridCol w="449483">
+                <a:gridCol w="741265">
                   <a:extLst>
                     <a:ext uri="{9D8B030D-6E8A-4147-A177-3AD203B41FA5}">
                       <a16:colId xmlns:a16="http://schemas.microsoft.com/office/drawing/2014/main" val="1613745195"/>
                     </a:ext>
                   </a:extLst>
                 </a:gridCol>
-                <a:gridCol w="1194816">
+                <a:gridCol w="2542870">
                   <a:extLst>
                     <a:ext uri="{9D8B030D-6E8A-4147-A177-3AD203B41FA5}">
                       <a16:colId xmlns:a16="http://schemas.microsoft.com/office/drawing/2014/main" val="4044540721"/>
                     </a:ext>
                   </a:extLst>
                 </a:gridCol>
-                <a:gridCol w="548640">
+                <a:gridCol w="1095790">
                   <a:extLst>
                     <a:ext uri="{9D8B030D-6E8A-4147-A177-3AD203B41FA5}">
                       <a16:colId xmlns:a16="http://schemas.microsoft.com/office/drawing/2014/main" val="3265820941"/>
                     </a:ext>
                   </a:extLst>
                 </a:gridCol>
-                <a:gridCol w="487680">
+                <a:gridCol w="974035">
                   <a:extLst>
                     <a:ext uri="{9D8B030D-6E8A-4147-A177-3AD203B41FA5}">
                       <a16:colId xmlns:a16="http://schemas.microsoft.com/office/drawing/2014/main" val="3246151439"/>
                     </a:ext>
                   </a:extLst>
                 </a:gridCol>
-                <a:gridCol w="408432">
+                <a:gridCol w="815761">
                   <a:extLst>
                     <a:ext uri="{9D8B030D-6E8A-4147-A177-3AD203B41FA5}">
                       <a16:colId xmlns:a16="http://schemas.microsoft.com/office/drawing/2014/main" val="2688956785"/>
                     </a:ext>
                   </a:extLst>
                 </a:gridCol>
-                <a:gridCol w="402336">
+                <a:gridCol w="803584">
                   <a:extLst>
                     <a:ext uri="{9D8B030D-6E8A-4147-A177-3AD203B41FA5}">
                       <a16:colId xmlns:a16="http://schemas.microsoft.com/office/drawing/2014/main" val="665611617"/>
                     </a:ext>
                   </a:extLst>
                 </a:gridCol>
-                <a:gridCol w="573023">
+                <a:gridCol w="1144490">
                   <a:extLst>
                     <a:ext uri="{9D8B030D-6E8A-4147-A177-3AD203B41FA5}">
                       <a16:colId xmlns:a16="http://schemas.microsoft.com/office/drawing/2014/main" val="1879851868"/>
                     </a:ext>
                   </a:extLst>
                 </a:gridCol>
-                <a:gridCol w="597410">
+                <a:gridCol w="1193203">
                   <a:extLst>
                     <a:ext uri="{9D8B030D-6E8A-4147-A177-3AD203B41FA5}">
                       <a16:colId xmlns:a16="http://schemas.microsoft.com/office/drawing/2014/main" val="3769322851"/>
                     </a:ext>
                   </a:extLst>
                 </a:gridCol>
-                <a:gridCol w="1618488">
+                <a:gridCol w="3232574">
                   <a:extLst>
                     <a:ext uri="{9D8B030D-6E8A-4147-A177-3AD203B41FA5}">
                       <a16:colId xmlns:a16="http://schemas.microsoft.com/office/drawing/2014/main" val="2535274510"/>
@@ -3539,28 +3539,20 @@
                   </a:extLst>
                 </a:gridCol>
               </a:tblGrid>
-              <a:tr h="338551">
+              <a:tr h="677100">
                 <a:tc>
                   <a:txBody>
                     <a:bodyPr/>
                     <a:lstStyle/>
                     <a:p>
-                      <a:r>
-                        <a:rPr lang="en-IN" sz="1050" dirty="0" err="1">
-                          <a:solidFill>
-                            <a:schemeClr val="tx1"/>
-                          </a:solidFill>
-                        </a:rPr>
-                        <a:t>S.No</a:t>
-                      </a:r>
-                      <a:endParaRPr lang="en-IN" sz="1050" dirty="0">
+                      <a:endParaRPr lang="en-IN" sz="1600" dirty="0">
                         <a:solidFill>
                           <a:schemeClr val="tx1"/>
                         </a:solidFill>
                       </a:endParaRPr>
                     </a:p>
                   </a:txBody>
-                  <a:tcPr>
+                  <a:tcPr marL="182880" marR="182880" marT="91440" marB="91440">
                     <a:lnL w="12700" cap="flat" cmpd="sng" algn="ctr">
                       <a:solidFill>
                         <a:schemeClr val="tx1"/>
@@ -3608,20 +3600,17 @@
                     <a:lstStyle/>
                     <a:p>
                       <a:pPr marL="0" algn="l" defTabSz="685800" rtl="0" eaLnBrk="1" latinLnBrk="0" hangingPunct="1"/>
-                      <a:r>
-                        <a:rPr lang="en-IN" sz="1050" b="1" kern="1200" dirty="0">
-                          <a:solidFill>
-                            <a:schemeClr val="tx1"/>
-                          </a:solidFill>
-                          <a:latin typeface="+mn-lt"/>
-                          <a:ea typeface="+mn-ea"/>
-                          <a:cs typeface="+mn-cs"/>
-                        </a:rPr>
-                        <a:t>Item Name</a:t>
-                      </a:r>
+                      <a:endParaRPr lang="en-IN" sz="1600" b="1" kern="1200" dirty="0">
+                        <a:solidFill>
+                          <a:schemeClr val="tx1"/>
+                        </a:solidFill>
+                        <a:latin typeface="+mn-lt"/>
+                        <a:ea typeface="+mn-ea"/>
+                        <a:cs typeface="+mn-cs"/>
+                      </a:endParaRPr>
                     </a:p>
                   </a:txBody>
-                  <a:tcPr>
+                  <a:tcPr marL="182880" marR="182880" marT="91440" marB="91440">
                     <a:lnL w="12700" cap="flat" cmpd="sng" algn="ctr">
                       <a:solidFill>
                         <a:schemeClr val="tx1"/>
@@ -3668,14 +3657,14 @@
                     <a:bodyPr/>
                     <a:lstStyle/>
                     <a:p>
-                      <a:endParaRPr lang="en-IN" dirty="0">
+                      <a:endParaRPr lang="en-IN" sz="3000" dirty="0">
                         <a:solidFill>
                           <a:schemeClr val="tx1"/>
                         </a:solidFill>
                       </a:endParaRPr>
                     </a:p>
                   </a:txBody>
-                  <a:tcPr>
+                  <a:tcPr marL="182880" marR="182880" marT="91440" marB="91440">
                     <a:lnL w="12700" cap="flat" cmpd="sng" algn="ctr">
                       <a:solidFill>
                         <a:schemeClr val="tx1"/>
@@ -3723,7 +3712,7 @@
                     <a:lstStyle/>
                     <a:p>
                       <a:pPr marL="0" algn="l" defTabSz="685800" rtl="0" eaLnBrk="1" latinLnBrk="0" hangingPunct="1"/>
-                      <a:endParaRPr lang="en-IN" sz="1050" b="1" kern="1200" dirty="0">
+                      <a:endParaRPr lang="en-IN" sz="1600" b="1" kern="1200" dirty="0">
                         <a:solidFill>
                           <a:schemeClr val="tx1"/>
                         </a:solidFill>
@@ -3733,7 +3722,7 @@
                       </a:endParaRPr>
                     </a:p>
                   </a:txBody>
-                  <a:tcPr>
+                  <a:tcPr marL="182880" marR="182880" marT="91440" marB="91440">
                     <a:lnL w="12700" cap="flat" cmpd="sng" algn="ctr">
                       <a:solidFill>
                         <a:schemeClr val="tx1"/>
@@ -3780,7 +3769,7 @@
                     <a:bodyPr/>
                     <a:lstStyle/>
                     <a:p>
-                      <a:endParaRPr lang="en-IN" sz="1050" b="1" kern="1200" dirty="0">
+                      <a:endParaRPr lang="en-IN" sz="1600" b="1" kern="1200" dirty="0">
                         <a:solidFill>
                           <a:schemeClr val="tx1"/>
                         </a:solidFill>
@@ -3790,7 +3779,7 @@
                       </a:endParaRPr>
                     </a:p>
                   </a:txBody>
-                  <a:tcPr>
+                  <a:tcPr marL="182880" marR="182880" marT="91440" marB="91440">
                     <a:lnL w="12700" cap="flat" cmpd="sng" algn="ctr">
                       <a:solidFill>
                         <a:schemeClr val="tx1"/>
@@ -3837,7 +3826,7 @@
                     <a:bodyPr/>
                     <a:lstStyle/>
                     <a:p>
-                      <a:endParaRPr lang="en-IN" sz="1050" b="1" kern="1200" dirty="0">
+                      <a:endParaRPr lang="en-IN" sz="1600" b="1" kern="1200" dirty="0">
                         <a:solidFill>
                           <a:schemeClr val="tx1"/>
                         </a:solidFill>
@@ -3847,7 +3836,7 @@
                       </a:endParaRPr>
                     </a:p>
                   </a:txBody>
-                  <a:tcPr>
+                  <a:tcPr marL="182880" marR="182880" marT="91440" marB="91440">
                     <a:lnL w="12700" cap="flat" cmpd="sng" algn="ctr">
                       <a:solidFill>
                         <a:schemeClr val="tx1"/>
@@ -3894,7 +3883,7 @@
                     <a:bodyPr/>
                     <a:lstStyle/>
                     <a:p>
-                      <a:endParaRPr lang="en-IN" sz="1050" b="1" kern="1200" dirty="0">
+                      <a:endParaRPr lang="en-IN" sz="1600" b="1" kern="1200" dirty="0">
                         <a:solidFill>
                           <a:schemeClr val="tx1"/>
                         </a:solidFill>
@@ -3904,7 +3893,7 @@
                       </a:endParaRPr>
                     </a:p>
                   </a:txBody>
-                  <a:tcPr>
+                  <a:tcPr marL="182880" marR="182880" marT="91440" marB="91440">
                     <a:lnL w="12700" cap="flat" cmpd="sng" algn="ctr">
                       <a:solidFill>
                         <a:schemeClr val="tx1"/>
@@ -3951,7 +3940,7 @@
                     <a:bodyPr/>
                     <a:lstStyle/>
                     <a:p>
-                      <a:endParaRPr lang="en-IN" sz="1050" b="1" kern="1200" dirty="0">
+                      <a:endParaRPr lang="en-IN" sz="1600" b="1" kern="1200" dirty="0">
                         <a:solidFill>
                           <a:schemeClr val="tx1"/>
                         </a:solidFill>
@@ -3961,7 +3950,7 @@
                       </a:endParaRPr>
                     </a:p>
                   </a:txBody>
-                  <a:tcPr>
+                  <a:tcPr marL="182880" marR="182880" marT="91440" marB="91440">
                     <a:lnL w="12700" cap="flat" cmpd="sng" algn="ctr">
                       <a:solidFill>
                         <a:schemeClr val="tx1"/>
@@ -4008,7 +3997,7 @@
                     <a:bodyPr/>
                     <a:lstStyle/>
                     <a:p>
-                      <a:endParaRPr lang="en-IN" sz="1050" b="1" kern="1200" dirty="0">
+                      <a:endParaRPr lang="en-IN" sz="1600" b="1" kern="1200" dirty="0">
                         <a:solidFill>
                           <a:schemeClr val="tx1"/>
                         </a:solidFill>
@@ -4018,7 +4007,7 @@
                       </a:endParaRPr>
                     </a:p>
                   </a:txBody>
-                  <a:tcPr>
+                  <a:tcPr marL="182880" marR="182880" marT="91440" marB="91440">
                     <a:lnL w="12700" cap="flat" cmpd="sng" algn="ctr">
                       <a:solidFill>
                         <a:schemeClr val="tx1"/>
@@ -4084,8 +4073,8 @@
         </p:nvSpPr>
         <p:spPr>
           <a:xfrm>
-            <a:off x="1364488" y="8962424"/>
-            <a:ext cx="2691764" cy="276999"/>
+            <a:off x="2109931" y="17519905"/>
+            <a:ext cx="5383530" cy="400110"/>
           </a:xfrm>
           <a:prstGeom prst="rect">
             <a:avLst/>
@@ -4099,16 +4088,8 @@
           <a:lstStyle/>
           <a:p>
             <a:r>
-              <a:rPr lang="en-IN" sz="1200" dirty="0"/>
-              <a:t>Ph. </a:t>
-            </a:r>
-            <a:r>
-              <a:rPr lang="en-IN" sz="1200" dirty="0" err="1"/>
-              <a:t>Num</a:t>
-            </a:r>
-            <a:r>
-              <a:rPr lang="en-IN" sz="1200" dirty="0"/>
-              <a:t>: 8106040999</a:t>
+              <a:rPr lang="en-IN" sz="2000" dirty="0"/>
+              <a:t>Ph No. 8106040999.</a:t>
             </a:r>
           </a:p>
         </p:txBody>
@@ -4127,8 +4108,8 @@
         </p:nvSpPr>
         <p:spPr>
           <a:xfrm>
-            <a:off x="385391" y="2589870"/>
-            <a:ext cx="2803274" cy="338554"/>
+            <a:off x="734947" y="5389931"/>
+            <a:ext cx="1789734" cy="461665"/>
           </a:xfrm>
           <a:prstGeom prst="rect">
             <a:avLst/>
@@ -4142,12 +4123,8 @@
           <a:lstStyle/>
           <a:p>
             <a:r>
-              <a:rPr lang="en-IN" sz="1600" dirty="0"/>
-              <a:t>Customer :   </a:t>
-            </a:r>
-            <a:r>
-              <a:rPr lang="en-IN" sz="1200" dirty="0"/>
-              <a:t>Krishna</a:t>
+              <a:rPr lang="en-IN" sz="2400" b="1" dirty="0"/>
+              <a:t>Customer   :</a:t>
             </a:r>
           </a:p>
         </p:txBody>
@@ -4166,8 +4143,8 @@
         </p:nvSpPr>
         <p:spPr>
           <a:xfrm>
-            <a:off x="399684" y="1876826"/>
-            <a:ext cx="1917194" cy="338554"/>
+            <a:off x="759383" y="4883485"/>
+            <a:ext cx="1755219" cy="461665"/>
           </a:xfrm>
           <a:prstGeom prst="rect">
             <a:avLst/>
@@ -4181,16 +4158,8 @@
           <a:lstStyle/>
           <a:p>
             <a:r>
-              <a:rPr lang="en-IN" sz="1600" dirty="0"/>
-              <a:t>Invoice No: </a:t>
-            </a:r>
-            <a:r>
-              <a:rPr lang="en-IN" sz="1200" dirty="0"/>
-              <a:t>123</a:t>
-            </a:r>
-            <a:r>
-              <a:rPr lang="en-IN" sz="1600" dirty="0"/>
-              <a:t> </a:t>
+              <a:rPr lang="en-IN" sz="2400" b="1" dirty="0"/>
+              <a:t>Invoice No :   </a:t>
             </a:r>
           </a:p>
         </p:txBody>
@@ -4209,8 +4178,8 @@
         </p:nvSpPr>
         <p:spPr>
           <a:xfrm>
-            <a:off x="4439708" y="2868026"/>
-            <a:ext cx="1798051" cy="276999"/>
+            <a:off x="9214922" y="5554478"/>
+            <a:ext cx="3596100" cy="461665"/>
           </a:xfrm>
           <a:prstGeom prst="rect">
             <a:avLst/>
@@ -4224,8 +4193,12 @@
           <a:lstStyle/>
           <a:p>
             <a:r>
-              <a:rPr lang="en-IN" sz="1200" dirty="0"/>
-              <a:t>Mode of Payment :</a:t>
+              <a:rPr lang="en-IN" sz="1996" b="1" dirty="0"/>
+              <a:t>Mode of Payment</a:t>
+            </a:r>
+            <a:r>
+              <a:rPr lang="en-IN" sz="2400" dirty="0"/>
+              <a:t> :</a:t>
             </a:r>
           </a:p>
         </p:txBody>
@@ -4244,8 +4217,8 @@
         </p:nvSpPr>
         <p:spPr>
           <a:xfrm>
-            <a:off x="441959" y="8363308"/>
-            <a:ext cx="3276601" cy="338554"/>
+            <a:off x="5275091" y="4071127"/>
+            <a:ext cx="6553200" cy="400110"/>
           </a:xfrm>
           <a:prstGeom prst="rect">
             <a:avLst/>
@@ -4259,14 +4232,13 @@
           <a:lstStyle/>
           <a:p>
             <a:r>
-              <a:rPr lang="en-IN" sz="1600" dirty="0"/>
-              <a:t>GSTIN      : </a:t>
-            </a:r>
-            <a:r>
-              <a:rPr lang="en-IN" sz="1600" dirty="0" err="1"/>
-              <a:t>asfsadgafg</a:t>
-            </a:r>
-            <a:endParaRPr lang="en-IN" sz="1600" dirty="0"/>
+              <a:rPr lang="en-IN" sz="2000" b="1" dirty="0"/>
+              <a:t>GSTIN : </a:t>
+            </a:r>
+            <a:r>
+              <a:rPr lang="en-IN" sz="2000" dirty="0"/>
+              <a:t>36ABYPB0999A3ZF</a:t>
+            </a:r>
           </a:p>
         </p:txBody>
       </p:sp>
@@ -4286,8 +4258,8 @@
         </p:nvCxnSpPr>
         <p:spPr>
           <a:xfrm>
-            <a:off x="288131" y="8263894"/>
-            <a:ext cx="6280309" cy="0"/>
+            <a:off x="587838" y="16817171"/>
+            <a:ext cx="12560626" cy="0"/>
           </a:xfrm>
           <a:prstGeom prst="line">
             <a:avLst/>
@@ -4327,8 +4299,8 @@
         </p:nvSpPr>
         <p:spPr>
           <a:xfrm>
-            <a:off x="410170" y="8668947"/>
-            <a:ext cx="4805682" cy="338554"/>
+            <a:off x="734947" y="16846705"/>
+            <a:ext cx="9611370" cy="707886"/>
           </a:xfrm>
           <a:prstGeom prst="rect">
             <a:avLst/>
@@ -4342,20 +4314,18 @@
           <a:lstStyle/>
           <a:p>
             <a:r>
-              <a:rPr lang="en-IN" sz="1600" dirty="0"/>
-              <a:t>Issued By : </a:t>
-            </a:r>
-            <a:r>
-              <a:rPr lang="en-IN" sz="1200" dirty="0"/>
-              <a:t>Soumya Jewellers, </a:t>
-            </a:r>
-            <a:r>
-              <a:rPr lang="en-IN" sz="1200" dirty="0" err="1"/>
-              <a:t>Gudibandal</a:t>
-            </a:r>
-            <a:r>
-              <a:rPr lang="en-IN" sz="1200" dirty="0"/>
-              <a:t>, Hanamkonda-506001</a:t>
+              <a:rPr lang="en-IN" sz="2000" b="1" dirty="0"/>
+              <a:t>Issued By   :   </a:t>
+            </a:r>
+            <a:r>
+              <a:rPr lang="en-IN" sz="2000" dirty="0"/>
+              <a:t>Soumya Jewellers, Gudibandal,</a:t>
+            </a:r>
+          </a:p>
+          <a:p>
+            <a:r>
+              <a:rPr lang="en-IN" sz="2000" dirty="0"/>
+              <a:t>		        Hanamkonda-506001.</a:t>
             </a:r>
           </a:p>
         </p:txBody>
@@ -4374,8 +4344,8 @@
         </p:nvSpPr>
         <p:spPr>
           <a:xfrm>
-            <a:off x="289560" y="3759505"/>
-            <a:ext cx="6285689" cy="3178060"/>
+            <a:off x="593120" y="7519028"/>
+            <a:ext cx="12563476" cy="6356116"/>
           </a:xfrm>
           <a:prstGeom prst="rect">
             <a:avLst/>
@@ -4410,7 +4380,7 @@
           <a:lstStyle/>
           <a:p>
             <a:pPr algn="ctr"/>
-            <a:endParaRPr lang="en-IN"/>
+            <a:endParaRPr lang="en-IN" sz="1770"/>
           </a:p>
         </p:txBody>
       </p:sp>
@@ -4428,8 +4398,8 @@
         </p:nvSpPr>
         <p:spPr>
           <a:xfrm>
-            <a:off x="4348685" y="7447343"/>
-            <a:ext cx="2221079" cy="260227"/>
+            <a:off x="8703556" y="14894692"/>
+            <a:ext cx="4445886" cy="520456"/>
           </a:xfrm>
           <a:prstGeom prst="rect">
             <a:avLst/>
@@ -4464,7 +4434,7 @@
           <a:lstStyle/>
           <a:p>
             <a:pPr algn="ctr"/>
-            <a:endParaRPr lang="en-IN" dirty="0"/>
+            <a:endParaRPr lang="en-IN" sz="1770" dirty="0"/>
           </a:p>
         </p:txBody>
       </p:sp>
@@ -4482,8 +4452,8 @@
         </p:nvSpPr>
         <p:spPr>
           <a:xfrm>
-            <a:off x="4531920" y="7443128"/>
-            <a:ext cx="1560578" cy="276999"/>
+            <a:off x="9063848" y="14916737"/>
+            <a:ext cx="1715551" cy="461665"/>
           </a:xfrm>
           <a:prstGeom prst="rect">
             <a:avLst/>
@@ -4497,7 +4467,7 @@
           <a:lstStyle/>
           <a:p>
             <a:r>
-              <a:rPr lang="en-IN" sz="1200" dirty="0"/>
+              <a:rPr lang="en-IN" sz="2400" dirty="0"/>
               <a:t>Grand Total</a:t>
             </a:r>
           </a:p>
@@ -4517,8 +4487,8 @@
         </p:nvSpPr>
         <p:spPr>
           <a:xfrm>
-            <a:off x="4440459" y="2479851"/>
-            <a:ext cx="1420368" cy="400110"/>
+            <a:off x="10612380" y="4947606"/>
+            <a:ext cx="2840730" cy="399468"/>
           </a:xfrm>
           <a:prstGeom prst="rect">
             <a:avLst/>
@@ -4532,22 +4502,12 @@
           <a:lstStyle/>
           <a:p>
             <a:r>
-              <a:rPr lang="en-IN" sz="1000" b="1" dirty="0"/>
-              <a:t>Date</a:t>
-            </a:r>
-            <a:r>
-              <a:rPr lang="en-IN" sz="1000" dirty="0"/>
-              <a:t>:  09 - 10 - 2021</a:t>
-            </a:r>
-          </a:p>
-          <a:p>
-            <a:r>
-              <a:rPr lang="en-IN" sz="1000" b="1" dirty="0"/>
-              <a:t>Time</a:t>
-            </a:r>
-            <a:r>
-              <a:rPr lang="en-IN" sz="1000" dirty="0"/>
-              <a:t>:</a:t>
+              <a:rPr lang="en-IN" sz="1996" b="1" dirty="0"/>
+              <a:t>Date </a:t>
+            </a:r>
+            <a:r>
+              <a:rPr lang="en-IN" sz="1996" dirty="0"/>
+              <a:t>:  </a:t>
             </a:r>
           </a:p>
         </p:txBody>
@@ -4579,8 +4539,8 @@
         </p:blipFill>
         <p:spPr>
           <a:xfrm>
-            <a:off x="410170" y="431840"/>
-            <a:ext cx="1144310" cy="1312734"/>
+            <a:off x="820343" y="863693"/>
+            <a:ext cx="2288626" cy="2625466"/>
           </a:xfrm>
           <a:prstGeom prst="rect">
             <a:avLst/>
@@ -4601,8 +4561,8 @@
         </p:nvSpPr>
         <p:spPr>
           <a:xfrm>
-            <a:off x="1262341" y="606001"/>
-            <a:ext cx="5072955" cy="769441"/>
+            <a:off x="2524681" y="1212008"/>
+            <a:ext cx="10145910" cy="1539780"/>
           </a:xfrm>
           <a:prstGeom prst="rect">
             <a:avLst/>
@@ -4610,14 +4570,14 @@
           <a:noFill/>
         </p:spPr>
         <p:txBody>
-          <a:bodyPr wrap="square" lIns="91440" tIns="45720" rIns="91440" bIns="45720">
+          <a:bodyPr wrap="square" lIns="182880" tIns="91440" rIns="182880" bIns="91440">
             <a:spAutoFit/>
           </a:bodyPr>
           <a:lstStyle/>
           <a:p>
             <a:pPr algn="ctr"/>
             <a:r>
-              <a:rPr lang="en-US" sz="4400" b="0" cap="none" spc="0" dirty="0">
+              <a:rPr lang="en-US" sz="8806" dirty="0">
                 <a:ln w="0"/>
                 <a:effectLst>
                   <a:reflection blurRad="6350" stA="53000" endA="300" endPos="35500" dir="5400000" sy="-90000" algn="bl" rotWithShape="0"/>
@@ -4625,7 +4585,7 @@
               </a:rPr>
               <a:t>Soumya Jewelers</a:t>
             </a:r>
-            <a:endParaRPr lang="en-IN" sz="4400" b="0" cap="none" spc="0" dirty="0">
+            <a:endParaRPr lang="en-IN" sz="8806" dirty="0">
               <a:ln w="0"/>
               <a:effectLst>
                 <a:reflection blurRad="6350" stA="53000" endA="300" endPos="35500" dir="5400000" sy="-90000" algn="bl" rotWithShape="0"/>
@@ -4650,13 +4610,13 @@
         </p:nvCxnSpPr>
         <p:spPr>
           <a:xfrm>
-            <a:off x="729488" y="3768584"/>
-            <a:ext cx="0" cy="3168981"/>
+            <a:off x="1335532" y="7520923"/>
+            <a:ext cx="0" cy="6351115"/>
           </a:xfrm>
           <a:prstGeom prst="line">
             <a:avLst/>
           </a:prstGeom>
-          <a:ln w="19050">
+          <a:ln w="28575">
             <a:solidFill>
               <a:schemeClr val="bg2">
                 <a:lumMod val="75000"/>
@@ -4695,13 +4655,13 @@
         </p:nvCxnSpPr>
         <p:spPr>
           <a:xfrm>
-            <a:off x="2473083" y="3768584"/>
-            <a:ext cx="0" cy="3168981"/>
+            <a:off x="4976930" y="7524987"/>
+            <a:ext cx="0" cy="6337966"/>
           </a:xfrm>
           <a:prstGeom prst="line">
             <a:avLst/>
           </a:prstGeom>
-          <a:ln w="19050">
+          <a:ln w="28575">
             <a:solidFill>
               <a:schemeClr val="bg2">
                 <a:lumMod val="75000"/>
@@ -4740,13 +4700,13 @@
         </p:nvCxnSpPr>
         <p:spPr>
           <a:xfrm>
-            <a:off x="2960624" y="3768584"/>
-            <a:ext cx="0" cy="3168981"/>
+            <a:off x="5940046" y="7520923"/>
+            <a:ext cx="0" cy="6337966"/>
           </a:xfrm>
           <a:prstGeom prst="line">
             <a:avLst/>
           </a:prstGeom>
-          <a:ln w="19050">
+          <a:ln w="28575">
             <a:solidFill>
               <a:schemeClr val="bg2">
                 <a:lumMod val="75000"/>
@@ -4785,13 +4745,13 @@
         </p:nvCxnSpPr>
         <p:spPr>
           <a:xfrm>
-            <a:off x="3369056" y="3764050"/>
-            <a:ext cx="0" cy="3168981"/>
+            <a:off x="6762490" y="7515911"/>
+            <a:ext cx="0" cy="6356127"/>
           </a:xfrm>
           <a:prstGeom prst="line">
             <a:avLst/>
           </a:prstGeom>
-          <a:ln w="19050">
+          <a:ln w="28575">
             <a:solidFill>
               <a:schemeClr val="bg2">
                 <a:lumMod val="75000"/>
@@ -4830,13 +4790,13 @@
         </p:nvCxnSpPr>
         <p:spPr>
           <a:xfrm>
-            <a:off x="1930400" y="3768584"/>
-            <a:ext cx="0" cy="3168981"/>
+            <a:off x="3880618" y="7524987"/>
+            <a:ext cx="0" cy="6337966"/>
           </a:xfrm>
           <a:prstGeom prst="line">
             <a:avLst/>
           </a:prstGeom>
-          <a:ln w="19050">
+          <a:ln w="28575">
             <a:solidFill>
               <a:schemeClr val="bg2">
                 <a:lumMod val="75000"/>
@@ -4861,146 +4821,6 @@
       </p:cxnSp>
       <p:sp>
         <p:nvSpPr>
-          <p:cNvPr id="43" name="TextBox 42">
-            <a:extLst>
-              <a:ext uri="{FF2B5EF4-FFF2-40B4-BE49-F238E27FC236}">
-                <a16:creationId xmlns:a16="http://schemas.microsoft.com/office/drawing/2014/main" id="{2DFDB449-4E38-42FF-9BD7-B4896F69DCE8}"/>
-              </a:ext>
-            </a:extLst>
-          </p:cNvPr>
-          <p:cNvSpPr txBox="1"/>
-          <p:nvPr/>
-        </p:nvSpPr>
-        <p:spPr>
-          <a:xfrm>
-            <a:off x="689764" y="3865750"/>
-            <a:ext cx="1882369" cy="261610"/>
-          </a:xfrm>
-          <a:prstGeom prst="rect">
-            <a:avLst/>
-          </a:prstGeom>
-          <a:noFill/>
-        </p:spPr>
-        <p:txBody>
-          <a:bodyPr wrap="square" rtlCol="0">
-            <a:spAutoFit/>
-          </a:bodyPr>
-          <a:lstStyle/>
-          <a:p>
-            <a:r>
-              <a:rPr lang="en-IN" sz="1100" dirty="0"/>
-              <a:t>Black beads</a:t>
-            </a:r>
-          </a:p>
-        </p:txBody>
-      </p:sp>
-      <p:sp>
-        <p:nvSpPr>
-          <p:cNvPr id="44" name="TextBox 43">
-            <a:extLst>
-              <a:ext uri="{FF2B5EF4-FFF2-40B4-BE49-F238E27FC236}">
-                <a16:creationId xmlns:a16="http://schemas.microsoft.com/office/drawing/2014/main" id="{B2C321E8-7FB6-4FBD-B757-4FA8DEB95FA2}"/>
-              </a:ext>
-            </a:extLst>
-          </p:cNvPr>
-          <p:cNvSpPr txBox="1"/>
-          <p:nvPr/>
-        </p:nvSpPr>
-        <p:spPr>
-          <a:xfrm>
-            <a:off x="1906295" y="3864255"/>
-            <a:ext cx="1133577" cy="230832"/>
-          </a:xfrm>
-          <a:prstGeom prst="rect">
-            <a:avLst/>
-          </a:prstGeom>
-          <a:noFill/>
-        </p:spPr>
-        <p:txBody>
-          <a:bodyPr wrap="square" rtlCol="0">
-            <a:spAutoFit/>
-          </a:bodyPr>
-          <a:lstStyle/>
-          <a:p>
-            <a:r>
-              <a:rPr lang="en-IN" sz="900" dirty="0"/>
-              <a:t>100.125</a:t>
-            </a:r>
-          </a:p>
-        </p:txBody>
-      </p:sp>
-      <p:sp>
-        <p:nvSpPr>
-          <p:cNvPr id="46" name="TextBox 45">
-            <a:extLst>
-              <a:ext uri="{FF2B5EF4-FFF2-40B4-BE49-F238E27FC236}">
-                <a16:creationId xmlns:a16="http://schemas.microsoft.com/office/drawing/2014/main" id="{5B6CCEC8-370E-4AFB-B51D-82DACE1E12BE}"/>
-              </a:ext>
-            </a:extLst>
-          </p:cNvPr>
-          <p:cNvSpPr txBox="1"/>
-          <p:nvPr/>
-        </p:nvSpPr>
-        <p:spPr>
-          <a:xfrm>
-            <a:off x="2424107" y="3870263"/>
-            <a:ext cx="1133577" cy="230832"/>
-          </a:xfrm>
-          <a:prstGeom prst="rect">
-            <a:avLst/>
-          </a:prstGeom>
-          <a:noFill/>
-        </p:spPr>
-        <p:txBody>
-          <a:bodyPr wrap="square" rtlCol="0">
-            <a:spAutoFit/>
-          </a:bodyPr>
-          <a:lstStyle/>
-          <a:p>
-            <a:r>
-              <a:rPr lang="en-IN" sz="900" dirty="0"/>
-              <a:t>100.125</a:t>
-            </a:r>
-          </a:p>
-        </p:txBody>
-      </p:sp>
-      <p:sp>
-        <p:nvSpPr>
-          <p:cNvPr id="47" name="TextBox 46">
-            <a:extLst>
-              <a:ext uri="{FF2B5EF4-FFF2-40B4-BE49-F238E27FC236}">
-                <a16:creationId xmlns:a16="http://schemas.microsoft.com/office/drawing/2014/main" id="{9B29A8EE-D9CB-418E-B52B-A3BC16A5E9DE}"/>
-              </a:ext>
-            </a:extLst>
-          </p:cNvPr>
-          <p:cNvSpPr txBox="1"/>
-          <p:nvPr/>
-        </p:nvSpPr>
-        <p:spPr>
-          <a:xfrm>
-            <a:off x="2960623" y="3870263"/>
-            <a:ext cx="1133577" cy="230832"/>
-          </a:xfrm>
-          <a:prstGeom prst="rect">
-            <a:avLst/>
-          </a:prstGeom>
-          <a:noFill/>
-        </p:spPr>
-        <p:txBody>
-          <a:bodyPr wrap="square" rtlCol="0">
-            <a:spAutoFit/>
-          </a:bodyPr>
-          <a:lstStyle/>
-          <a:p>
-            <a:r>
-              <a:rPr lang="en-IN" sz="900" dirty="0"/>
-              <a:t>5000</a:t>
-            </a:r>
-          </a:p>
-        </p:txBody>
-      </p:sp>
-      <p:sp>
-        <p:nvSpPr>
           <p:cNvPr id="48" name="TextBox 47">
             <a:extLst>
               <a:ext uri="{FF2B5EF4-FFF2-40B4-BE49-F238E27FC236}">
@@ -5013,8 +4833,8 @@
         </p:nvSpPr>
         <p:spPr>
           <a:xfrm>
-            <a:off x="2948747" y="3375523"/>
-            <a:ext cx="444832" cy="415498"/>
+            <a:off x="6019419" y="6796770"/>
+            <a:ext cx="769696" cy="738664"/>
           </a:xfrm>
           <a:prstGeom prst="rect">
             <a:avLst/>
@@ -5028,13 +4848,13 @@
           <a:lstStyle/>
           <a:p>
             <a:r>
-              <a:rPr lang="en-IN" sz="1050" b="1" dirty="0"/>
+              <a:rPr lang="en-IN" sz="2100" b="1" dirty="0"/>
               <a:t>Rate</a:t>
             </a:r>
           </a:p>
           <a:p>
             <a:r>
-              <a:rPr lang="en-IN" sz="1050" b="1" dirty="0"/>
+              <a:rPr lang="en-IN" sz="2100" b="1" dirty="0"/>
               <a:t>/gm</a:t>
             </a:r>
           </a:p>
@@ -5054,8 +4874,8 @@
         </p:nvSpPr>
         <p:spPr>
           <a:xfrm>
-            <a:off x="2153654" y="3378684"/>
-            <a:ext cx="1133577" cy="415498"/>
+            <a:off x="4917946" y="6803092"/>
+            <a:ext cx="1096456" cy="738664"/>
           </a:xfrm>
           <a:prstGeom prst="rect">
             <a:avLst/>
@@ -5070,14 +4890,14 @@
           <a:p>
             <a:pPr algn="ctr"/>
             <a:r>
-              <a:rPr lang="en-IN" sz="1050" b="1" dirty="0"/>
+              <a:rPr lang="en-IN" sz="2100" b="1" dirty="0"/>
               <a:t>Net</a:t>
             </a:r>
           </a:p>
           <a:p>
             <a:pPr algn="ctr"/>
             <a:r>
-              <a:rPr lang="en-IN" sz="1050" b="1" dirty="0"/>
+              <a:rPr lang="en-IN" sz="2100" b="1" dirty="0"/>
               <a:t>Weight</a:t>
             </a:r>
           </a:p>
@@ -5097,8 +4917,8 @@
         </p:nvSpPr>
         <p:spPr>
           <a:xfrm>
-            <a:off x="1628169" y="3378684"/>
-            <a:ext cx="1133577" cy="415498"/>
+            <a:off x="3877560" y="6807152"/>
+            <a:ext cx="1096456" cy="738664"/>
           </a:xfrm>
           <a:prstGeom prst="rect">
             <a:avLst/>
@@ -5113,14 +4933,14 @@
           <a:p>
             <a:pPr algn="ctr"/>
             <a:r>
-              <a:rPr lang="en-IN" sz="1050" b="1" dirty="0"/>
+              <a:rPr lang="en-IN" sz="2100" b="1" dirty="0"/>
               <a:t>Gross</a:t>
             </a:r>
           </a:p>
           <a:p>
             <a:pPr algn="ctr"/>
             <a:r>
-              <a:rPr lang="en-IN" sz="1050" b="1" dirty="0"/>
+              <a:rPr lang="en-IN" sz="2100" b="1" dirty="0"/>
               <a:t>Weight</a:t>
             </a:r>
           </a:p>
@@ -5140,8 +4960,8 @@
         </p:nvSpPr>
         <p:spPr>
           <a:xfrm>
-            <a:off x="3243112" y="3462053"/>
-            <a:ext cx="646635" cy="253916"/>
+            <a:off x="6516707" y="6969832"/>
+            <a:ext cx="1293270" cy="415498"/>
           </a:xfrm>
           <a:prstGeom prst="rect">
             <a:avLst/>
@@ -5156,51 +4976,8 @@
           <a:p>
             <a:pPr algn="ctr"/>
             <a:r>
-              <a:rPr lang="en-IN" sz="1050" b="1" dirty="0"/>
+              <a:rPr lang="en-IN" sz="2100" b="1" dirty="0"/>
               <a:t>Purity</a:t>
-            </a:r>
-          </a:p>
-        </p:txBody>
-      </p:sp>
-      <p:sp>
-        <p:nvSpPr>
-          <p:cNvPr id="52" name="TextBox 51">
-            <a:extLst>
-              <a:ext uri="{FF2B5EF4-FFF2-40B4-BE49-F238E27FC236}">
-                <a16:creationId xmlns:a16="http://schemas.microsoft.com/office/drawing/2014/main" id="{657CAF61-AFD1-434F-BE8D-499A87663194}"/>
-              </a:ext>
-            </a:extLst>
-          </p:cNvPr>
-          <p:cNvSpPr txBox="1"/>
-          <p:nvPr/>
-        </p:nvSpPr>
-        <p:spPr>
-          <a:xfrm>
-            <a:off x="3359301" y="3817435"/>
-            <a:ext cx="432581" cy="369332"/>
-          </a:xfrm>
-          <a:prstGeom prst="rect">
-            <a:avLst/>
-          </a:prstGeom>
-          <a:noFill/>
-        </p:spPr>
-        <p:txBody>
-          <a:bodyPr wrap="square" rtlCol="0">
-            <a:spAutoFit/>
-          </a:bodyPr>
-          <a:lstStyle/>
-          <a:p>
-            <a:pPr algn="ctr"/>
-            <a:r>
-              <a:rPr lang="en-IN" sz="900" dirty="0"/>
-              <a:t>916</a:t>
-            </a:r>
-          </a:p>
-          <a:p>
-            <a:pPr algn="ctr"/>
-            <a:r>
-              <a:rPr lang="en-IN" sz="900" dirty="0"/>
-              <a:t>KDM</a:t>
             </a:r>
           </a:p>
         </p:txBody>
@@ -5219,8 +4996,8 @@
         </p:nvSpPr>
         <p:spPr>
           <a:xfrm>
-            <a:off x="3727329" y="3375523"/>
-            <a:ext cx="662521" cy="415498"/>
+            <a:off x="7469896" y="6812010"/>
+            <a:ext cx="1325040" cy="738664"/>
           </a:xfrm>
           <a:prstGeom prst="rect">
             <a:avLst/>
@@ -5235,7 +5012,7 @@
           <a:p>
             <a:pPr algn="ctr"/>
             <a:r>
-              <a:rPr lang="en-IN" sz="1050" b="1" dirty="0"/>
+              <a:rPr lang="en-IN" sz="2100" b="1" dirty="0"/>
               <a:t>Value Addition</a:t>
             </a:r>
           </a:p>
@@ -5255,8 +5032,8 @@
         </p:nvSpPr>
         <p:spPr>
           <a:xfrm>
-            <a:off x="3778855" y="6929881"/>
-            <a:ext cx="2794719" cy="528956"/>
+            <a:off x="7559252" y="13877961"/>
+            <a:ext cx="5589436" cy="1039714"/>
           </a:xfrm>
           <a:prstGeom prst="rect">
             <a:avLst/>
@@ -5291,115 +5068,7 @@
           <a:lstStyle/>
           <a:p>
             <a:pPr algn="ctr"/>
-            <a:endParaRPr lang="en-IN" dirty="0"/>
-          </a:p>
-        </p:txBody>
-      </p:sp>
-      <p:sp>
-        <p:nvSpPr>
-          <p:cNvPr id="58" name="TextBox 57">
-            <a:extLst>
-              <a:ext uri="{FF2B5EF4-FFF2-40B4-BE49-F238E27FC236}">
-                <a16:creationId xmlns:a16="http://schemas.microsoft.com/office/drawing/2014/main" id="{A59963D5-A7CE-41B0-B273-5C95A1A6D7AD}"/>
-              </a:ext>
-            </a:extLst>
-          </p:cNvPr>
-          <p:cNvSpPr txBox="1"/>
-          <p:nvPr/>
-        </p:nvSpPr>
-        <p:spPr>
-          <a:xfrm>
-            <a:off x="5020155" y="6936015"/>
-            <a:ext cx="432581" cy="230832"/>
-          </a:xfrm>
-          <a:prstGeom prst="rect">
-            <a:avLst/>
-          </a:prstGeom>
-          <a:noFill/>
-        </p:spPr>
-        <p:txBody>
-          <a:bodyPr wrap="square" rtlCol="0">
-            <a:spAutoFit/>
-          </a:bodyPr>
-          <a:lstStyle/>
-          <a:p>
-            <a:pPr algn="ctr"/>
-            <a:r>
-              <a:rPr lang="en-IN" sz="900" dirty="0"/>
-              <a:t>@5%</a:t>
-            </a:r>
-          </a:p>
-        </p:txBody>
-      </p:sp>
-      <p:sp>
-        <p:nvSpPr>
-          <p:cNvPr id="59" name="TextBox 58">
-            <a:extLst>
-              <a:ext uri="{FF2B5EF4-FFF2-40B4-BE49-F238E27FC236}">
-                <a16:creationId xmlns:a16="http://schemas.microsoft.com/office/drawing/2014/main" id="{AC10295C-CD5E-4960-A688-62DCAA86902F}"/>
-              </a:ext>
-            </a:extLst>
-          </p:cNvPr>
-          <p:cNvSpPr txBox="1"/>
-          <p:nvPr/>
-        </p:nvSpPr>
-        <p:spPr>
-          <a:xfrm>
-            <a:off x="4439708" y="6929161"/>
-            <a:ext cx="432581" cy="230832"/>
-          </a:xfrm>
-          <a:prstGeom prst="rect">
-            <a:avLst/>
-          </a:prstGeom>
-          <a:noFill/>
-        </p:spPr>
-        <p:txBody>
-          <a:bodyPr wrap="square" rtlCol="0">
-            <a:spAutoFit/>
-          </a:bodyPr>
-          <a:lstStyle/>
-          <a:p>
-            <a:pPr algn="ctr"/>
-            <a:r>
-              <a:rPr lang="en-IN" sz="900" dirty="0"/>
-              <a:t>@3%</a:t>
-            </a:r>
-          </a:p>
-        </p:txBody>
-      </p:sp>
-      <p:sp>
-        <p:nvSpPr>
-          <p:cNvPr id="60" name="TextBox 59">
-            <a:extLst>
-              <a:ext uri="{FF2B5EF4-FFF2-40B4-BE49-F238E27FC236}">
-                <a16:creationId xmlns:a16="http://schemas.microsoft.com/office/drawing/2014/main" id="{9BB35632-C65D-4FB2-A477-5383C3293D88}"/>
-              </a:ext>
-            </a:extLst>
-          </p:cNvPr>
-          <p:cNvSpPr txBox="1"/>
-          <p:nvPr/>
-        </p:nvSpPr>
-        <p:spPr>
-          <a:xfrm>
-            <a:off x="3756562" y="3878131"/>
-            <a:ext cx="515679" cy="230832"/>
-          </a:xfrm>
-          <a:prstGeom prst="rect">
-            <a:avLst/>
-          </a:prstGeom>
-          <a:noFill/>
-        </p:spPr>
-        <p:txBody>
-          <a:bodyPr wrap="square" rtlCol="0">
-            <a:spAutoFit/>
-          </a:bodyPr>
-          <a:lstStyle/>
-          <a:p>
-            <a:pPr algn="ctr"/>
-            <a:r>
-              <a:rPr lang="en-IN" sz="900" dirty="0"/>
-              <a:t>@10%</a:t>
-            </a:r>
+            <a:endParaRPr lang="en-IN" sz="1770" dirty="0"/>
           </a:p>
         </p:txBody>
       </p:sp>
@@ -5417,8 +5086,8 @@
         </p:nvSpPr>
         <p:spPr>
           <a:xfrm>
-            <a:off x="4328371" y="3302143"/>
-            <a:ext cx="662521" cy="415498"/>
+            <a:off x="8702460" y="6965117"/>
+            <a:ext cx="1173953" cy="420432"/>
           </a:xfrm>
           <a:prstGeom prst="rect">
             <a:avLst/>
@@ -5432,12 +5101,8 @@
           <a:lstStyle/>
           <a:p>
             <a:pPr algn="ctr"/>
-            <a:endParaRPr lang="en-IN" sz="1050" b="1" dirty="0"/>
-          </a:p>
-          <a:p>
-            <a:pPr algn="ctr"/>
-            <a:r>
-              <a:rPr lang="en-IN" sz="1050" b="1" dirty="0"/>
+            <a:r>
+              <a:rPr lang="en-IN" sz="2100" b="1" dirty="0"/>
               <a:t>Amount</a:t>
             </a:r>
           </a:p>
@@ -5457,8 +5122,8 @@
         </p:nvSpPr>
         <p:spPr>
           <a:xfrm>
-            <a:off x="4921871" y="3463725"/>
-            <a:ext cx="662521" cy="253916"/>
+            <a:off x="9813270" y="6957938"/>
+            <a:ext cx="1325040" cy="415498"/>
           </a:xfrm>
           <a:prstGeom prst="rect">
             <a:avLst/>
@@ -5473,7 +5138,7 @@
           <a:p>
             <a:pPr algn="ctr"/>
             <a:r>
-              <a:rPr lang="en-IN" sz="1050" b="1" dirty="0"/>
+              <a:rPr lang="en-IN" sz="2100" b="1" dirty="0"/>
               <a:t>Making</a:t>
             </a:r>
           </a:p>
@@ -5493,8 +5158,8 @@
         </p:nvSpPr>
         <p:spPr>
           <a:xfrm>
-            <a:off x="5533318" y="3417157"/>
-            <a:ext cx="1042542" cy="338552"/>
+            <a:off x="11054448" y="6842759"/>
+            <a:ext cx="2101937" cy="674775"/>
           </a:xfrm>
           <a:prstGeom prst="rect">
             <a:avLst/>
@@ -5529,7 +5194,7 @@
           <a:lstStyle/>
           <a:p>
             <a:pPr algn="ctr"/>
-            <a:endParaRPr lang="en-IN" dirty="0"/>
+            <a:endParaRPr lang="en-IN" sz="1770" dirty="0"/>
           </a:p>
         </p:txBody>
       </p:sp>
@@ -5547,8 +5212,8 @@
         </p:nvSpPr>
         <p:spPr>
           <a:xfrm>
-            <a:off x="5560565" y="3459475"/>
-            <a:ext cx="900280" cy="253916"/>
+            <a:off x="11166862" y="6964666"/>
+            <a:ext cx="1800556" cy="415498"/>
           </a:xfrm>
           <a:prstGeom prst="rect">
             <a:avLst/>
@@ -5563,7 +5228,7 @@
           <a:p>
             <a:pPr algn="ctr"/>
             <a:r>
-              <a:rPr lang="en-IN" sz="1050" b="1" dirty="0"/>
+              <a:rPr lang="en-IN" sz="2100" b="1" dirty="0"/>
               <a:t>Total in Rs.</a:t>
             </a:r>
           </a:p>
@@ -5583,8 +5248,8 @@
         </p:nvSpPr>
         <p:spPr>
           <a:xfrm>
-            <a:off x="4346550" y="7194465"/>
-            <a:ext cx="2221689" cy="260227"/>
+            <a:off x="8705300" y="14388938"/>
+            <a:ext cx="4443376" cy="520456"/>
           </a:xfrm>
           <a:prstGeom prst="rect">
             <a:avLst/>
@@ -5619,7 +5284,7 @@
           <a:lstStyle/>
           <a:p>
             <a:pPr algn="ctr"/>
-            <a:endParaRPr lang="en-IN" dirty="0"/>
+            <a:endParaRPr lang="en-IN" sz="1770" dirty="0"/>
           </a:p>
         </p:txBody>
       </p:sp>
@@ -5639,13 +5304,13 @@
         </p:nvCxnSpPr>
         <p:spPr>
           <a:xfrm>
-            <a:off x="4941824" y="3758641"/>
-            <a:ext cx="0" cy="3690290"/>
+            <a:off x="9906510" y="7521353"/>
+            <a:ext cx="0" cy="7380586"/>
           </a:xfrm>
           <a:prstGeom prst="line">
             <a:avLst/>
           </a:prstGeom>
-          <a:ln w="19050">
+          <a:ln w="28575">
             <a:solidFill>
               <a:schemeClr val="bg2">
                 <a:lumMod val="75000"/>
@@ -5684,13 +5349,13 @@
         </p:nvCxnSpPr>
         <p:spPr>
           <a:xfrm>
-            <a:off x="5527222" y="3731196"/>
-            <a:ext cx="0" cy="3972564"/>
+            <a:off x="11054446" y="7523363"/>
+            <a:ext cx="0" cy="7891785"/>
           </a:xfrm>
           <a:prstGeom prst="line">
             <a:avLst/>
           </a:prstGeom>
-          <a:ln w="19050">
+          <a:ln w="28575">
             <a:solidFill>
               <a:schemeClr val="bg2">
                 <a:lumMod val="75000"/>
@@ -5729,13 +5394,13 @@
         </p:nvCxnSpPr>
         <p:spPr>
           <a:xfrm>
-            <a:off x="3774434" y="3758641"/>
-            <a:ext cx="0" cy="3170520"/>
+            <a:off x="7569190" y="7523884"/>
+            <a:ext cx="0" cy="6341040"/>
           </a:xfrm>
           <a:prstGeom prst="line">
             <a:avLst/>
           </a:prstGeom>
-          <a:ln w="19050">
+          <a:ln w="28575">
             <a:solidFill>
               <a:schemeClr val="bg2">
                 <a:lumMod val="75000"/>
@@ -5772,8 +5437,8 @@
         </p:nvSpPr>
         <p:spPr>
           <a:xfrm>
-            <a:off x="3713578" y="6979234"/>
-            <a:ext cx="680261" cy="415498"/>
+            <a:off x="7427168" y="14027057"/>
+            <a:ext cx="1360516" cy="738664"/>
           </a:xfrm>
           <a:prstGeom prst="rect">
             <a:avLst/>
@@ -5788,14 +5453,14 @@
           <a:p>
             <a:pPr algn="ctr"/>
             <a:r>
-              <a:rPr lang="en-IN" sz="1050" b="1" dirty="0"/>
+              <a:rPr lang="en-IN" sz="2100" b="1" dirty="0"/>
               <a:t>GST </a:t>
             </a:r>
             <a:br>
-              <a:rPr lang="en-IN" sz="1050" b="1" dirty="0"/>
+              <a:rPr lang="en-IN" sz="2100" b="1" dirty="0"/>
             </a:br>
             <a:r>
-              <a:rPr lang="en-IN" sz="1050" b="1" dirty="0"/>
+              <a:rPr lang="en-IN" sz="2100" b="1" dirty="0"/>
               <a:t>Charges</a:t>
             </a:r>
           </a:p>
@@ -5817,13 +5482,13 @@
         </p:nvCxnSpPr>
         <p:spPr>
           <a:xfrm>
-            <a:off x="4347970" y="3758641"/>
-            <a:ext cx="0" cy="3690290"/>
+            <a:off x="8711176" y="7521353"/>
+            <a:ext cx="0" cy="7380586"/>
           </a:xfrm>
           <a:prstGeom prst="line">
             <a:avLst/>
           </a:prstGeom>
-          <a:ln w="19050">
+          <a:ln w="28575">
             <a:solidFill>
               <a:schemeClr val="bg2">
                 <a:lumMod val="75000"/>
@@ -5848,41 +5513,6 @@
       </p:cxnSp>
       <p:sp>
         <p:nvSpPr>
-          <p:cNvPr id="76" name="TextBox 75">
-            <a:extLst>
-              <a:ext uri="{FF2B5EF4-FFF2-40B4-BE49-F238E27FC236}">
-                <a16:creationId xmlns:a16="http://schemas.microsoft.com/office/drawing/2014/main" id="{DC15E510-51BB-4E9E-A54C-41273978D454}"/>
-              </a:ext>
-            </a:extLst>
-          </p:cNvPr>
-          <p:cNvSpPr txBox="1"/>
-          <p:nvPr/>
-        </p:nvSpPr>
-        <p:spPr>
-          <a:xfrm>
-            <a:off x="4362465" y="3871160"/>
-            <a:ext cx="1133577" cy="230832"/>
-          </a:xfrm>
-          <a:prstGeom prst="rect">
-            <a:avLst/>
-          </a:prstGeom>
-          <a:noFill/>
-        </p:spPr>
-        <p:txBody>
-          <a:bodyPr wrap="square" rtlCol="0">
-            <a:spAutoFit/>
-          </a:bodyPr>
-          <a:lstStyle/>
-          <a:p>
-            <a:r>
-              <a:rPr lang="en-IN" sz="900" dirty="0"/>
-              <a:t>1000000</a:t>
-            </a:r>
-          </a:p>
-        </p:txBody>
-      </p:sp>
-      <p:sp>
-        <p:nvSpPr>
           <p:cNvPr id="83" name="TextBox 82">
             <a:extLst>
               <a:ext uri="{FF2B5EF4-FFF2-40B4-BE49-F238E27FC236}">
@@ -5895,8 +5525,8 @@
         </p:nvSpPr>
         <p:spPr>
           <a:xfrm>
-            <a:off x="2599087" y="1750677"/>
-            <a:ext cx="1917194" cy="338554"/>
+            <a:off x="5940046" y="3341733"/>
+            <a:ext cx="3834390" cy="707886"/>
           </a:xfrm>
           <a:prstGeom prst="rect">
             <a:avLst/>
@@ -5910,16 +5540,361 @@
           <a:lstStyle/>
           <a:p>
             <a:r>
-              <a:rPr lang="en-IN" sz="1600" dirty="0"/>
-              <a:t>Invoice No: </a:t>
+              <a:rPr lang="en-IN" sz="4000" b="1" dirty="0"/>
+              <a:t>Invoice</a:t>
+            </a:r>
+          </a:p>
+        </p:txBody>
+      </p:sp>
+      <p:sp>
+        <p:nvSpPr>
+          <p:cNvPr id="59" name="TextBox 58">
+            <a:extLst>
+              <a:ext uri="{FF2B5EF4-FFF2-40B4-BE49-F238E27FC236}">
+                <a16:creationId xmlns:a16="http://schemas.microsoft.com/office/drawing/2014/main" id="{AC10295C-CD5E-4960-A688-62DCAA86902F}"/>
+              </a:ext>
+            </a:extLst>
+          </p:cNvPr>
+          <p:cNvSpPr txBox="1"/>
+          <p:nvPr/>
+        </p:nvSpPr>
+        <p:spPr>
+          <a:xfrm>
+            <a:off x="8866651" y="14465072"/>
+            <a:ext cx="865156" cy="369332"/>
+          </a:xfrm>
+          <a:prstGeom prst="rect">
+            <a:avLst/>
+          </a:prstGeom>
+          <a:noFill/>
+        </p:spPr>
+        <p:txBody>
+          <a:bodyPr wrap="square" rtlCol="0">
+            <a:spAutoFit/>
+          </a:bodyPr>
+          <a:lstStyle/>
+          <a:p>
+            <a:pPr algn="ctr"/>
+            <a:r>
+              <a:rPr lang="en-IN" sz="1800" dirty="0"/>
+              <a:t>@3%</a:t>
+            </a:r>
+          </a:p>
+        </p:txBody>
+      </p:sp>
+      <p:sp>
+        <p:nvSpPr>
+          <p:cNvPr id="58" name="TextBox 57">
+            <a:extLst>
+              <a:ext uri="{FF2B5EF4-FFF2-40B4-BE49-F238E27FC236}">
+                <a16:creationId xmlns:a16="http://schemas.microsoft.com/office/drawing/2014/main" id="{A59963D5-A7CE-41B0-B273-5C95A1A6D7AD}"/>
+              </a:ext>
+            </a:extLst>
+          </p:cNvPr>
+          <p:cNvSpPr txBox="1"/>
+          <p:nvPr/>
+        </p:nvSpPr>
+        <p:spPr>
+          <a:xfrm>
+            <a:off x="10043695" y="14464263"/>
+            <a:ext cx="865156" cy="369332"/>
+          </a:xfrm>
+          <a:prstGeom prst="rect">
+            <a:avLst/>
+          </a:prstGeom>
+          <a:noFill/>
+        </p:spPr>
+        <p:txBody>
+          <a:bodyPr wrap="square" rtlCol="0">
+            <a:spAutoFit/>
+          </a:bodyPr>
+          <a:lstStyle/>
+          <a:p>
+            <a:pPr algn="ctr"/>
+            <a:r>
+              <a:rPr lang="en-IN" sz="1800" dirty="0"/>
+              <a:t>@5%</a:t>
+            </a:r>
+          </a:p>
+        </p:txBody>
+      </p:sp>
+      <p:sp>
+        <p:nvSpPr>
+          <p:cNvPr id="53" name="TextBox 52">
+            <a:extLst>
+              <a:ext uri="{FF2B5EF4-FFF2-40B4-BE49-F238E27FC236}">
+                <a16:creationId xmlns:a16="http://schemas.microsoft.com/office/drawing/2014/main" id="{F8682257-98C1-4DDE-BBC8-0D7BDC59EF87}"/>
+              </a:ext>
+            </a:extLst>
+          </p:cNvPr>
+          <p:cNvSpPr txBox="1"/>
+          <p:nvPr/>
+        </p:nvSpPr>
+        <p:spPr>
+          <a:xfrm>
+            <a:off x="565952" y="6967066"/>
+            <a:ext cx="804316" cy="415498"/>
+          </a:xfrm>
+          <a:prstGeom prst="rect">
+            <a:avLst/>
+          </a:prstGeom>
+          <a:noFill/>
+        </p:spPr>
+        <p:txBody>
+          <a:bodyPr wrap="square" rtlCol="0">
+            <a:spAutoFit/>
+          </a:bodyPr>
+          <a:lstStyle/>
+          <a:p>
+            <a:pPr algn="ctr"/>
+            <a:r>
+              <a:rPr lang="en-IN" sz="2100" b="1" dirty="0"/>
+              <a:t>S.No.</a:t>
+            </a:r>
+          </a:p>
+        </p:txBody>
+      </p:sp>
+      <p:sp>
+        <p:nvSpPr>
+          <p:cNvPr id="55" name="TextBox 54">
+            <a:extLst>
+              <a:ext uri="{FF2B5EF4-FFF2-40B4-BE49-F238E27FC236}">
+                <a16:creationId xmlns:a16="http://schemas.microsoft.com/office/drawing/2014/main" id="{1D9A2B0B-C048-473F-B1F2-89812F2D8B37}"/>
+              </a:ext>
+            </a:extLst>
+          </p:cNvPr>
+          <p:cNvSpPr txBox="1"/>
+          <p:nvPr/>
+        </p:nvSpPr>
+        <p:spPr>
+          <a:xfrm>
+            <a:off x="1483622" y="6965117"/>
+            <a:ext cx="2267160" cy="415498"/>
+          </a:xfrm>
+          <a:prstGeom prst="rect">
+            <a:avLst/>
+          </a:prstGeom>
+          <a:noFill/>
+        </p:spPr>
+        <p:txBody>
+          <a:bodyPr wrap="square" rtlCol="0">
+            <a:spAutoFit/>
+          </a:bodyPr>
+          <a:lstStyle/>
+          <a:p>
+            <a:pPr algn="ctr"/>
+            <a:r>
+              <a:rPr lang="en-IN" sz="2100" b="1" dirty="0"/>
+              <a:t>Item Name</a:t>
+            </a:r>
+          </a:p>
+        </p:txBody>
+      </p:sp>
+      <p:sp>
+        <p:nvSpPr>
+          <p:cNvPr id="56" name="TextBox 55">
+            <a:extLst>
+              <a:ext uri="{FF2B5EF4-FFF2-40B4-BE49-F238E27FC236}">
+                <a16:creationId xmlns:a16="http://schemas.microsoft.com/office/drawing/2014/main" id="{F51AEDC8-EA26-4D84-B662-E460BEC6F196}"/>
+              </a:ext>
+            </a:extLst>
+          </p:cNvPr>
+          <p:cNvSpPr txBox="1"/>
+          <p:nvPr/>
+        </p:nvSpPr>
+        <p:spPr>
+          <a:xfrm>
+            <a:off x="10346317" y="16349472"/>
+            <a:ext cx="5383530" cy="338554"/>
+          </a:xfrm>
+          <a:prstGeom prst="rect">
+            <a:avLst/>
+          </a:prstGeom>
+          <a:noFill/>
+        </p:spPr>
+        <p:txBody>
+          <a:bodyPr wrap="square" rtlCol="0">
+            <a:spAutoFit/>
+          </a:bodyPr>
+          <a:lstStyle/>
+          <a:p>
+            <a:r>
+              <a:rPr lang="en-IN" sz="1600" b="1" dirty="0"/>
+              <a:t>Authorized Signatory</a:t>
+            </a:r>
+          </a:p>
+        </p:txBody>
+      </p:sp>
+      <p:sp>
+        <p:nvSpPr>
+          <p:cNvPr id="69" name="TextBox 68">
+            <a:extLst>
+              <a:ext uri="{FF2B5EF4-FFF2-40B4-BE49-F238E27FC236}">
+                <a16:creationId xmlns:a16="http://schemas.microsoft.com/office/drawing/2014/main" id="{DF8B65A0-443B-4DCC-B85E-5007722ECE5D}"/>
+              </a:ext>
+            </a:extLst>
+          </p:cNvPr>
+          <p:cNvSpPr txBox="1"/>
+          <p:nvPr/>
+        </p:nvSpPr>
+        <p:spPr>
+          <a:xfrm>
+            <a:off x="734947" y="17997717"/>
+            <a:ext cx="9611370" cy="338554"/>
+          </a:xfrm>
+          <a:prstGeom prst="rect">
+            <a:avLst/>
+          </a:prstGeom>
+          <a:noFill/>
+        </p:spPr>
+        <p:txBody>
+          <a:bodyPr wrap="square" rtlCol="0">
+            <a:spAutoFit/>
+          </a:bodyPr>
+          <a:lstStyle/>
+          <a:p>
+            <a:r>
+              <a:rPr lang="en-IN" sz="1600" b="1" dirty="0"/>
+              <a:t>Disclaimer :</a:t>
+            </a:r>
+            <a:endParaRPr lang="en-IN" sz="1200" dirty="0"/>
+          </a:p>
+        </p:txBody>
+      </p:sp>
+      <p:sp>
+        <p:nvSpPr>
+          <p:cNvPr id="70" name="TextBox 69">
+            <a:extLst>
+              <a:ext uri="{FF2B5EF4-FFF2-40B4-BE49-F238E27FC236}">
+                <a16:creationId xmlns:a16="http://schemas.microsoft.com/office/drawing/2014/main" id="{6CC52C28-9B5D-4FF5-90BE-3A8D4898E82C}"/>
+              </a:ext>
+            </a:extLst>
+          </p:cNvPr>
+          <p:cNvSpPr txBox="1"/>
+          <p:nvPr/>
+        </p:nvSpPr>
+        <p:spPr>
+          <a:xfrm>
+            <a:off x="1956805" y="18067800"/>
+            <a:ext cx="9611370" cy="1015663"/>
+          </a:xfrm>
+          <a:prstGeom prst="rect">
+            <a:avLst/>
+          </a:prstGeom>
+          <a:noFill/>
+        </p:spPr>
+        <p:txBody>
+          <a:bodyPr wrap="square" rtlCol="0">
+            <a:spAutoFit/>
+          </a:bodyPr>
+          <a:lstStyle/>
+          <a:p>
+            <a:r>
+              <a:rPr lang="en-IN" sz="1200" b="1" dirty="0"/>
+              <a:t>* No </a:t>
             </a:r>
             <a:r>
               <a:rPr lang="en-IN" sz="1200" dirty="0"/>
-              <a:t>123</a:t>
-            </a:r>
-            <a:r>
-              <a:rPr lang="en-IN" sz="1600" dirty="0"/>
-              <a:t> </a:t>
+              <a:t>return once sold.</a:t>
+            </a:r>
+          </a:p>
+          <a:p>
+            <a:r>
+              <a:rPr lang="en-IN" sz="1200" dirty="0"/>
+              <a:t>* Can only be exchanged considering your items as old Gold/Silver.</a:t>
+            </a:r>
+          </a:p>
+          <a:p>
+            <a:r>
+              <a:rPr lang="en-IN" sz="1200" dirty="0"/>
+              <a:t>* We are only responsible for the quality/purity of the ornaments sold in our store.</a:t>
+            </a:r>
+          </a:p>
+          <a:p>
+            <a:r>
+              <a:rPr lang="en-IN" sz="1200" dirty="0"/>
+              <a:t>* We are not liable for any physical damage done to the ornament by customer</a:t>
+            </a:r>
+          </a:p>
+          <a:p>
+            <a:r>
+              <a:rPr lang="en-IN" sz="1200" dirty="0"/>
+              <a:t>* No Credit.</a:t>
+            </a:r>
+          </a:p>
+        </p:txBody>
+      </p:sp>
+      <p:sp>
+        <p:nvSpPr>
+          <p:cNvPr id="72" name="TextBox 71">
+            <a:extLst>
+              <a:ext uri="{FF2B5EF4-FFF2-40B4-BE49-F238E27FC236}">
+                <a16:creationId xmlns:a16="http://schemas.microsoft.com/office/drawing/2014/main" id="{B8343527-69E8-4F7E-AB14-4CED027AF70D}"/>
+              </a:ext>
+            </a:extLst>
+          </p:cNvPr>
+          <p:cNvSpPr txBox="1"/>
+          <p:nvPr/>
+        </p:nvSpPr>
+        <p:spPr>
+          <a:xfrm>
+            <a:off x="8649605" y="16850304"/>
+            <a:ext cx="1765735" cy="584775"/>
+          </a:xfrm>
+          <a:prstGeom prst="rect">
+            <a:avLst/>
+          </a:prstGeom>
+          <a:noFill/>
+        </p:spPr>
+        <p:txBody>
+          <a:bodyPr wrap="square" rtlCol="0">
+            <a:spAutoFit/>
+          </a:bodyPr>
+          <a:lstStyle/>
+          <a:p>
+            <a:r>
+              <a:rPr lang="en-IN" sz="1600" b="1" dirty="0"/>
+              <a:t>Offers and Schemes :</a:t>
+            </a:r>
+            <a:endParaRPr lang="en-IN" sz="1200" dirty="0"/>
+          </a:p>
+        </p:txBody>
+      </p:sp>
+      <p:sp>
+        <p:nvSpPr>
+          <p:cNvPr id="52" name="TextBox 51">
+            <a:extLst>
+              <a:ext uri="{FF2B5EF4-FFF2-40B4-BE49-F238E27FC236}">
+                <a16:creationId xmlns:a16="http://schemas.microsoft.com/office/drawing/2014/main" id="{F373DC6C-C940-48E9-88E0-C4641B6B69BB}"/>
+              </a:ext>
+            </a:extLst>
+          </p:cNvPr>
+          <p:cNvSpPr txBox="1"/>
+          <p:nvPr/>
+        </p:nvSpPr>
+        <p:spPr>
+          <a:xfrm>
+            <a:off x="10589520" y="5275558"/>
+            <a:ext cx="2840730" cy="399468"/>
+          </a:xfrm>
+          <a:prstGeom prst="rect">
+            <a:avLst/>
+          </a:prstGeom>
+          <a:noFill/>
+        </p:spPr>
+        <p:txBody>
+          <a:bodyPr wrap="square" rtlCol="0">
+            <a:spAutoFit/>
+          </a:bodyPr>
+          <a:lstStyle/>
+          <a:p>
+            <a:r>
+              <a:rPr lang="en-IN" sz="1996" b="1" dirty="0"/>
+              <a:t>Time </a:t>
+            </a:r>
+            <a:r>
+              <a:rPr lang="en-IN" sz="1996" dirty="0"/>
+              <a:t>:</a:t>
             </a:r>
           </a:p>
         </p:txBody>
